--- a/sessions/session-07/slides.pptx
+++ b/sessions/session-07/slides.pptx
@@ -4018,7 +4018,7 @@
         <p:spPr>
           <a:xfrm>
             <a:off x="0" y="0"/>
-            <a:ext cx="9144000" cy="866775"/>
+            <a:ext cx="9144000" cy="726877"/>
           </a:xfrm>
           <a:prstGeom prst="rect">
             <a:avLst/>
@@ -4047,8 +4047,8 @@
         </p:nvSpPr>
         <p:spPr>
           <a:xfrm>
-            <a:off x="457200" y="228600"/>
-            <a:ext cx="8394192" cy="409575"/>
+            <a:off x="457200" y="177701"/>
+            <a:ext cx="8394192" cy="371475"/>
           </a:xfrm>
           <a:prstGeom prst="rect">
             <a:avLst/>
@@ -4064,7 +4064,7 @@
               <a:buNone/>
             </a:pPr>
             <a:r>
-              <a:rPr lang="en-US" sz="2800" b="1" dirty="0">
+              <a:rPr lang="en-US" sz="2600" b="1" dirty="0">
                 <a:solidFill>
                   <a:srgbClr val="FFFFFF"/>
                 </a:solidFill>
@@ -4074,7 +4074,7 @@
               </a:rPr>
               <a:t>Reading a Workflow Status</a:t>
             </a:r>
-            <a:endParaRPr lang="en-US" sz="2800" dirty="0"/>
+            <a:endParaRPr lang="en-US" sz="2600" dirty="0"/>
           </a:p>
         </p:txBody>
       </p:sp>
@@ -4086,8 +4086,8 @@
         </p:nvSpPr>
         <p:spPr>
           <a:xfrm>
-            <a:off x="457200" y="1069925"/>
-            <a:ext cx="8394192" cy="295275"/>
+            <a:off x="457200" y="853827"/>
+            <a:ext cx="8394192" cy="266700"/>
           </a:xfrm>
           <a:prstGeom prst="rect">
             <a:avLst/>
@@ -4101,12 +4101,12 @@
           <a:p>
             <a:pPr algn="l" indent="0" marL="0">
               <a:spcAft>
-                <a:spcPts val="600"/>
-              </a:spcAft>
-              <a:buNone/>
-            </a:pPr>
-            <a:r>
-              <a:rPr lang="en-US" sz="2000" b="1" dirty="0">
+                <a:spcPts val="400"/>
+              </a:spcAft>
+              <a:buNone/>
+            </a:pPr>
+            <a:r>
+              <a:rPr lang="en-US" sz="1800" b="1" dirty="0">
                 <a:solidFill>
                   <a:srgbClr val="1E5128"/>
                 </a:solidFill>
@@ -4116,7 +4116,7 @@
               </a:rPr>
               <a:t>How to Tell If the Helper Did Its Job</a:t>
             </a:r>
-            <a:endParaRPr lang="en-US" sz="2000" dirty="0"/>
+            <a:endParaRPr lang="en-US" sz="1800" dirty="0"/>
           </a:p>
         </p:txBody>
       </p:sp>
@@ -4128,8 +4128,8 @@
         </p:nvSpPr>
         <p:spPr>
           <a:xfrm>
-            <a:off x="457200" y="1441400"/>
-            <a:ext cx="8394192" cy="238125"/>
+            <a:off x="457200" y="1171277"/>
+            <a:ext cx="8394192" cy="266700"/>
           </a:xfrm>
           <a:prstGeom prst="rect">
             <a:avLst/>
@@ -4143,12 +4143,12 @@
           <a:p>
             <a:pPr algn="l" indent="0" marL="0">
               <a:spcAft>
-                <a:spcPts val="500"/>
-              </a:spcAft>
-              <a:buNone/>
-            </a:pPr>
-            <a:r>
-              <a:rPr lang="en-US" sz="1600" dirty="0">
+                <a:spcPts val="300"/>
+              </a:spcAft>
+              <a:buNone/>
+            </a:pPr>
+            <a:r>
+              <a:rPr lang="en-US" sz="1800" dirty="0">
                 <a:solidFill>
                   <a:srgbClr val="2C2C2C"/>
                 </a:solidFill>
@@ -4158,7 +4158,7 @@
               </a:rPr>
               <a:t>When you click on a workflow run, you see:</a:t>
             </a:r>
-            <a:endParaRPr lang="en-US" sz="1600" dirty="0"/>
+            <a:endParaRPr lang="en-US" sz="1800" dirty="0"/>
           </a:p>
         </p:txBody>
       </p:sp>
@@ -4170,8 +4170,8 @@
         </p:nvSpPr>
         <p:spPr>
           <a:xfrm>
-            <a:off x="457200" y="1742926"/>
-            <a:ext cx="8229600" cy="1291828"/>
+            <a:off x="457200" y="1476077"/>
+            <a:ext cx="8229600" cy="1384102"/>
           </a:xfrm>
           <a:prstGeom prst="rect">
             <a:avLst/>
@@ -4185,13 +4185,13 @@
           <a:p>
             <a:pPr algn="l" marL="152400" indent="-152400">
               <a:spcAft>
-                <a:spcPts val="200"/>
+                <a:spcPts val="100"/>
               </a:spcAft>
               <a:buSzPct val="100000"/>
               <a:buChar char="•"/>
             </a:pPr>
             <a:r>
-              <a:rPr lang="en-US" sz="1600" b="1" dirty="0">
+              <a:rPr lang="en-US" sz="1800" b="1" dirty="0">
                 <a:solidFill>
                   <a:srgbClr val="2C2C2C"/>
                 </a:solidFill>
@@ -4203,12 +4203,12 @@
             </a:r>
             <a:pPr algn="l" indent="0" marL="0">
               <a:spcAft>
-                <a:spcPts val="200"/>
-              </a:spcAft>
-              <a:buNone/>
-            </a:pPr>
-            <a:r>
-              <a:rPr lang="en-US" sz="1600" dirty="0">
+                <a:spcPts val="100"/>
+              </a:spcAft>
+              <a:buNone/>
+            </a:pPr>
+            <a:r>
+              <a:rPr lang="en-US" sz="1800" dirty="0">
                 <a:solidFill>
                   <a:srgbClr val="2C2C2C"/>
                 </a:solidFill>
@@ -4218,18 +4218,18 @@
               </a:rPr>
               <a:t> ran (the name of the instructions)</a:t>
             </a:r>
-            <a:endParaRPr lang="en-US" sz="1600" dirty="0"/>
+            <a:endParaRPr lang="en-US" sz="1800" dirty="0"/>
           </a:p>
           <a:p>
             <a:pPr algn="l" marL="152400" indent="-152400">
               <a:spcAft>
-                <a:spcPts val="200"/>
+                <a:spcPts val="100"/>
               </a:spcAft>
               <a:buSzPct val="100000"/>
               <a:buChar char="•"/>
             </a:pPr>
             <a:r>
-              <a:rPr lang="en-US" sz="1600" b="1" dirty="0">
+              <a:rPr lang="en-US" sz="1800" b="1" dirty="0">
                 <a:solidFill>
                   <a:srgbClr val="2C2C2C"/>
                 </a:solidFill>
@@ -4241,12 +4241,12 @@
             </a:r>
             <a:pPr algn="l" indent="0" marL="0">
               <a:spcAft>
-                <a:spcPts val="200"/>
-              </a:spcAft>
-              <a:buNone/>
-            </a:pPr>
-            <a:r>
-              <a:rPr lang="en-US" sz="1600" dirty="0">
+                <a:spcPts val="100"/>
+              </a:spcAft>
+              <a:buNone/>
+            </a:pPr>
+            <a:r>
+              <a:rPr lang="en-US" sz="1800" dirty="0">
                 <a:solidFill>
                   <a:srgbClr val="2C2C2C"/>
                 </a:solidFill>
@@ -4256,18 +4256,18 @@
               </a:rPr>
               <a:t> it ran (date and time)</a:t>
             </a:r>
-            <a:endParaRPr lang="en-US" sz="1600" dirty="0"/>
+            <a:endParaRPr lang="en-US" sz="1800" dirty="0"/>
           </a:p>
           <a:p>
             <a:pPr algn="l" marL="152400" indent="-152400">
               <a:spcAft>
-                <a:spcPts val="200"/>
+                <a:spcPts val="100"/>
               </a:spcAft>
               <a:buSzPct val="100000"/>
               <a:buChar char="•"/>
             </a:pPr>
             <a:r>
-              <a:rPr lang="en-US" sz="1600" b="1" dirty="0">
+              <a:rPr lang="en-US" sz="1800" b="1" dirty="0">
                 <a:solidFill>
                   <a:srgbClr val="2C2C2C"/>
                 </a:solidFill>
@@ -4279,12 +4279,12 @@
             </a:r>
             <a:pPr algn="l" indent="0" marL="0">
               <a:spcAft>
-                <a:spcPts val="200"/>
-              </a:spcAft>
-              <a:buNone/>
-            </a:pPr>
-            <a:r>
-              <a:rPr lang="en-US" sz="1600" dirty="0">
+                <a:spcPts val="100"/>
+              </a:spcAft>
+              <a:buNone/>
+            </a:pPr>
+            <a:r>
+              <a:rPr lang="en-US" sz="1800" dirty="0">
                 <a:solidFill>
                   <a:srgbClr val="2C2C2C"/>
                 </a:solidFill>
@@ -4294,18 +4294,18 @@
               </a:rPr>
               <a:t> it (schedule, event, or manual)</a:t>
             </a:r>
-            <a:endParaRPr lang="en-US" sz="1600" dirty="0"/>
+            <a:endParaRPr lang="en-US" sz="1800" dirty="0"/>
           </a:p>
           <a:p>
             <a:pPr algn="l" marL="152400" indent="-152400">
               <a:spcAft>
-                <a:spcPts val="200"/>
+                <a:spcPts val="100"/>
               </a:spcAft>
               <a:buSzPct val="100000"/>
               <a:buChar char="•"/>
             </a:pPr>
             <a:r>
-              <a:rPr lang="en-US" sz="1600" b="1" dirty="0">
+              <a:rPr lang="en-US" sz="1800" b="1" dirty="0">
                 <a:solidFill>
                   <a:srgbClr val="2C2C2C"/>
                 </a:solidFill>
@@ -4317,12 +4317,12 @@
             </a:r>
             <a:pPr algn="l" indent="0" marL="0">
               <a:spcAft>
-                <a:spcPts val="200"/>
-              </a:spcAft>
-              <a:buNone/>
-            </a:pPr>
-            <a:r>
-              <a:rPr lang="en-US" sz="1600" dirty="0">
+                <a:spcPts val="100"/>
+              </a:spcAft>
+              <a:buNone/>
+            </a:pPr>
+            <a:r>
+              <a:rPr lang="en-US" sz="1800" dirty="0">
                 <a:solidFill>
                   <a:srgbClr val="2C2C2C"/>
                 </a:solidFill>
@@ -4332,18 +4332,18 @@
               </a:rPr>
               <a:t> it took</a:t>
             </a:r>
-            <a:endParaRPr lang="en-US" sz="1600" dirty="0"/>
+            <a:endParaRPr lang="en-US" sz="1800" dirty="0"/>
           </a:p>
           <a:p>
             <a:pPr algn="l" marL="152400" indent="-152400">
               <a:spcAft>
-                <a:spcPts val="200"/>
+                <a:spcPts val="100"/>
               </a:spcAft>
               <a:buSzPct val="100000"/>
               <a:buChar char="•"/>
             </a:pPr>
             <a:r>
-              <a:rPr lang="en-US" sz="1600" b="1" dirty="0">
+              <a:rPr lang="en-US" sz="1800" b="1" dirty="0">
                 <a:solidFill>
                   <a:srgbClr val="2C2C2C"/>
                 </a:solidFill>
@@ -4355,12 +4355,12 @@
             </a:r>
             <a:pPr algn="l" indent="0" marL="0">
               <a:spcAft>
-                <a:spcPts val="200"/>
-              </a:spcAft>
-              <a:buNone/>
-            </a:pPr>
-            <a:r>
-              <a:rPr lang="en-US" sz="1600" dirty="0">
+                <a:spcPts val="100"/>
+              </a:spcAft>
+              <a:buNone/>
+            </a:pPr>
+            <a:r>
+              <a:rPr lang="en-US" sz="1800" dirty="0">
                 <a:solidFill>
                   <a:srgbClr val="2C2C2C"/>
                 </a:solidFill>
@@ -4370,7 +4370,7 @@
               </a:rPr>
               <a:t> — success or failure</a:t>
             </a:r>
-            <a:endParaRPr lang="en-US" sz="1600" dirty="0"/>
+            <a:endParaRPr lang="en-US" sz="1800" dirty="0"/>
           </a:p>
         </p:txBody>
       </p:sp>
@@ -4382,8 +4382,8 @@
         </p:nvSpPr>
         <p:spPr>
           <a:xfrm>
-            <a:off x="457200" y="3110954"/>
-            <a:ext cx="8229600" cy="1193602"/>
+            <a:off x="457200" y="2910929"/>
+            <a:ext cx="8229600" cy="1180802"/>
           </a:xfrm>
           <a:prstGeom prst="rect">
             <a:avLst/>
@@ -4412,8 +4412,8 @@
         </p:nvSpPr>
         <p:spPr>
           <a:xfrm>
-            <a:off x="495300" y="3110954"/>
-            <a:ext cx="0" cy="1193602"/>
+            <a:off x="495300" y="2910929"/>
+            <a:ext cx="0" cy="1180802"/>
           </a:xfrm>
           <a:prstGeom prst="line">
             <a:avLst/>
@@ -4435,8 +4435,8 @@
         </p:nvSpPr>
         <p:spPr>
           <a:xfrm>
-            <a:off x="711101" y="3212455"/>
-            <a:ext cx="7953958" cy="219075"/>
+            <a:off x="711101" y="2987129"/>
+            <a:ext cx="7953958" cy="238125"/>
           </a:xfrm>
           <a:prstGeom prst="rect">
             <a:avLst/>
@@ -4450,12 +4450,12 @@
           <a:p>
             <a:pPr algn="l" indent="0" marL="0">
               <a:spcAft>
-                <a:spcPts val="300"/>
-              </a:spcAft>
-              <a:buNone/>
-            </a:pPr>
-            <a:r>
-              <a:rPr lang="en-US" sz="1500" b="1" dirty="0">
+                <a:spcPts val="200"/>
+              </a:spcAft>
+              <a:buNone/>
+            </a:pPr>
+            <a:r>
+              <a:rPr lang="en-US" sz="1600" b="1" dirty="0">
                 <a:solidFill>
                   <a:srgbClr val="2C2C2C"/>
                 </a:solidFill>
@@ -4467,12 +4467,12 @@
             </a:r>
             <a:pPr algn="l" indent="0" marL="0">
               <a:spcAft>
-                <a:spcPts val="300"/>
-              </a:spcAft>
-              <a:buNone/>
-            </a:pPr>
-            <a:r>
-              <a:rPr lang="en-US" sz="1500" dirty="0">
+                <a:spcPts val="200"/>
+              </a:spcAft>
+              <a:buNone/>
+            </a:pPr>
+            <a:r>
+              <a:rPr lang="en-US" sz="1600" dirty="0">
                 <a:solidFill>
                   <a:srgbClr val="2C2C2C"/>
                 </a:solidFill>
@@ -4482,7 +4482,7 @@
               </a:rPr>
               <a:t> Just look for:</a:t>
             </a:r>
-            <a:endParaRPr lang="en-US" sz="1500" dirty="0"/>
+            <a:endParaRPr lang="en-US" sz="1600" dirty="0"/>
           </a:p>
         </p:txBody>
       </p:sp>
@@ -4494,8 +4494,8 @@
         </p:nvSpPr>
         <p:spPr>
           <a:xfrm>
-            <a:off x="711101" y="3469630"/>
-            <a:ext cx="7953958" cy="219075"/>
+            <a:off x="711101" y="3250555"/>
+            <a:ext cx="7953958" cy="238125"/>
           </a:xfrm>
           <a:prstGeom prst="rect">
             <a:avLst/>
@@ -4509,12 +4509,12 @@
           <a:p>
             <a:pPr algn="l" indent="0" marL="0">
               <a:spcAft>
-                <a:spcPts val="300"/>
-              </a:spcAft>
-              <a:buNone/>
-            </a:pPr>
-            <a:r>
-              <a:rPr lang="en-US" sz="1500" dirty="0">
+                <a:spcPts val="200"/>
+              </a:spcAft>
+              <a:buNone/>
+            </a:pPr>
+            <a:r>
+              <a:rPr lang="en-US" sz="1600" dirty="0">
                 <a:solidFill>
                   <a:srgbClr val="2C2C2C"/>
                 </a:solidFill>
@@ -4524,7 +4524,7 @@
               </a:rPr>
               <a:t>Green checkmark = All good. The automatic task completed.</a:t>
             </a:r>
-            <a:endParaRPr lang="en-US" sz="1500" dirty="0"/>
+            <a:endParaRPr lang="en-US" sz="1600" dirty="0"/>
           </a:p>
         </p:txBody>
       </p:sp>
@@ -4536,8 +4536,8 @@
         </p:nvSpPr>
         <p:spPr>
           <a:xfrm>
-            <a:off x="711101" y="3726805"/>
-            <a:ext cx="7953958" cy="219075"/>
+            <a:off x="711101" y="3513981"/>
+            <a:ext cx="7953958" cy="238125"/>
           </a:xfrm>
           <a:prstGeom prst="rect">
             <a:avLst/>
@@ -4551,12 +4551,12 @@
           <a:p>
             <a:pPr algn="l" indent="0" marL="0">
               <a:spcAft>
-                <a:spcPts val="300"/>
-              </a:spcAft>
-              <a:buNone/>
-            </a:pPr>
-            <a:r>
-              <a:rPr lang="en-US" sz="1500" dirty="0">
+                <a:spcPts val="200"/>
+              </a:spcAft>
+              <a:buNone/>
+            </a:pPr>
+            <a:r>
+              <a:rPr lang="en-US" sz="1600" dirty="0">
                 <a:solidFill>
                   <a:srgbClr val="2C2C2C"/>
                 </a:solidFill>
@@ -4566,7 +4566,7 @@
               </a:rPr>
               <a:t>Red X = Something went wrong. Ask for help or check the error message.</a:t>
             </a:r>
-            <a:endParaRPr lang="en-US" sz="1500" dirty="0"/>
+            <a:endParaRPr lang="en-US" sz="1600" dirty="0"/>
           </a:p>
         </p:txBody>
       </p:sp>
@@ -4578,8 +4578,8 @@
         </p:nvSpPr>
         <p:spPr>
           <a:xfrm>
-            <a:off x="711101" y="3983980"/>
-            <a:ext cx="7953958" cy="219075"/>
+            <a:off x="711101" y="3777407"/>
+            <a:ext cx="7953958" cy="238125"/>
           </a:xfrm>
           <a:prstGeom prst="rect">
             <a:avLst/>
@@ -4595,7 +4595,7 @@
               <a:buNone/>
             </a:pPr>
             <a:r>
-              <a:rPr lang="en-US" sz="1500" dirty="0">
+              <a:rPr lang="en-US" sz="1600" dirty="0">
                 <a:solidFill>
                   <a:srgbClr val="2C2C2C"/>
                 </a:solidFill>
@@ -4605,7 +4605,7 @@
               </a:rPr>
               <a:t>Yellow dot = Still working. Check back in a few minutes.</a:t>
             </a:r>
-            <a:endParaRPr lang="en-US" sz="1500" dirty="0"/>
+            <a:endParaRPr lang="en-US" sz="1600" dirty="0"/>
           </a:p>
         </p:txBody>
       </p:sp>
@@ -4718,8 +4718,8 @@
         </p:nvSpPr>
         <p:spPr>
           <a:xfrm>
-            <a:off x="457200" y="930176"/>
-            <a:ext cx="8394192" cy="219075"/>
+            <a:off x="457200" y="879277"/>
+            <a:ext cx="8394192" cy="238125"/>
           </a:xfrm>
           <a:prstGeom prst="rect">
             <a:avLst/>
@@ -4733,12 +4733,12 @@
           <a:p>
             <a:pPr algn="l" indent="0" marL="0">
               <a:spcAft>
-                <a:spcPts val="600"/>
-              </a:spcAft>
-              <a:buNone/>
-            </a:pPr>
-            <a:r>
-              <a:rPr lang="en-US" sz="1500" b="1" dirty="0">
+                <a:spcPts val="400"/>
+              </a:spcAft>
+              <a:buNone/>
+            </a:pPr>
+            <a:r>
+              <a:rPr lang="en-US" sz="1600" b="1" dirty="0">
                 <a:solidFill>
                   <a:srgbClr val="2C2C2C"/>
                 </a:solidFill>
@@ -4748,7 +4748,7 @@
               </a:rPr>
               <a:t>The workflow instructions are written in a file called YAML.</a:t>
             </a:r>
-            <a:endParaRPr lang="en-US" sz="1500" dirty="0"/>
+            <a:endParaRPr lang="en-US" sz="1600" dirty="0"/>
           </a:p>
         </p:txBody>
       </p:sp>
@@ -4760,8 +4760,8 @@
         </p:nvSpPr>
         <p:spPr>
           <a:xfrm>
-            <a:off x="457200" y="1225451"/>
-            <a:ext cx="8394192" cy="438150"/>
+            <a:off x="457200" y="1168152"/>
+            <a:ext cx="8394192" cy="476250"/>
           </a:xfrm>
           <a:prstGeom prst="rect">
             <a:avLst/>
@@ -4775,12 +4775,12 @@
           <a:p>
             <a:pPr algn="l" indent="0" marL="0">
               <a:spcAft>
-                <a:spcPts val="600"/>
-              </a:spcAft>
-              <a:buNone/>
-            </a:pPr>
-            <a:r>
-              <a:rPr lang="en-US" sz="1500" dirty="0">
+                <a:spcPts val="400"/>
+              </a:spcAft>
+              <a:buNone/>
+            </a:pPr>
+            <a:r>
+              <a:rPr lang="en-US" sz="1600" dirty="0">
                 <a:solidFill>
                   <a:srgbClr val="2C2C2C"/>
                 </a:solidFill>
@@ -4792,12 +4792,12 @@
             </a:r>
             <a:pPr algn="l" indent="0" marL="0">
               <a:spcAft>
-                <a:spcPts val="600"/>
-              </a:spcAft>
-              <a:buNone/>
-            </a:pPr>
-            <a:r>
-              <a:rPr lang="en-US" sz="1500" b="1" dirty="0">
+                <a:spcPts val="400"/>
+              </a:spcAft>
+              <a:buNone/>
+            </a:pPr>
+            <a:r>
+              <a:rPr lang="en-US" sz="1600" b="1" dirty="0">
                 <a:solidFill>
                   <a:srgbClr val="2C2C2C"/>
                 </a:solidFill>
@@ -4809,12 +4809,12 @@
             </a:r>
             <a:pPr algn="l" indent="0" marL="0">
               <a:spcAft>
-                <a:spcPts val="600"/>
-              </a:spcAft>
-              <a:buNone/>
-            </a:pPr>
-            <a:r>
-              <a:rPr lang="en-US" sz="1500" dirty="0">
+                <a:spcPts val="400"/>
+              </a:spcAft>
+              <a:buNone/>
+            </a:pPr>
+            <a:r>
+              <a:rPr lang="en-US" sz="1600" dirty="0">
                 <a:solidFill>
                   <a:srgbClr val="2C2C2C"/>
                 </a:solidFill>
@@ -4826,12 +4826,12 @@
             </a:r>
             <a:pPr algn="l" indent="0" marL="0">
               <a:spcAft>
-                <a:spcPts val="600"/>
-              </a:spcAft>
-              <a:buNone/>
-            </a:pPr>
-            <a:r>
-              <a:rPr lang="en-US" sz="1500" b="1" dirty="0">
+                <a:spcPts val="400"/>
+              </a:spcAft>
+              <a:buNone/>
+            </a:pPr>
+            <a:r>
+              <a:rPr lang="en-US" sz="1600" b="1" dirty="0">
                 <a:solidFill>
                   <a:srgbClr val="2C2C2C"/>
                 </a:solidFill>
@@ -4843,12 +4843,12 @@
             </a:r>
             <a:pPr algn="l" indent="0" marL="0">
               <a:spcAft>
-                <a:spcPts val="600"/>
-              </a:spcAft>
-              <a:buNone/>
-            </a:pPr>
-            <a:r>
-              <a:rPr lang="en-US" sz="1500" dirty="0">
+                <a:spcPts val="400"/>
+              </a:spcAft>
+              <a:buNone/>
+            </a:pPr>
+            <a:r>
+              <a:rPr lang="en-US" sz="1600" dirty="0">
                 <a:solidFill>
                   <a:srgbClr val="2C2C2C"/>
                 </a:solidFill>
@@ -4858,7 +4858,7 @@
               </a:rPr>
               <a:t> a YAML file, not write one.</a:t>
             </a:r>
-            <a:endParaRPr lang="en-US" sz="1500" dirty="0"/>
+            <a:endParaRPr lang="en-US" sz="1600" dirty="0"/>
           </a:p>
         </p:txBody>
       </p:sp>
@@ -4870,12 +4870,12 @@
         </p:nvSpPr>
         <p:spPr>
           <a:xfrm>
-            <a:off x="457200" y="1739801"/>
-            <a:ext cx="8229600" cy="2069455"/>
+            <a:off x="457200" y="1695152"/>
+            <a:ext cx="8229600" cy="2332881"/>
           </a:xfrm>
           <a:prstGeom prst="roundRect">
             <a:avLst>
-              <a:gd name="adj" fmla="val 3682"/>
+              <a:gd name="adj" fmla="val 3266"/>
             </a:avLst>
           </a:prstGeom>
           <a:solidFill>
@@ -4902,8 +4902,8 @@
         </p:nvSpPr>
         <p:spPr>
           <a:xfrm>
-            <a:off x="634901" y="1866751"/>
-            <a:ext cx="8031682" cy="152400"/>
+            <a:off x="634901" y="1796653"/>
+            <a:ext cx="8031682" cy="180975"/>
           </a:xfrm>
           <a:prstGeom prst="rect">
             <a:avLst/>
@@ -4922,7 +4922,7 @@
               <a:buNone/>
             </a:pPr>
             <a:r>
-              <a:rPr lang="en-US" sz="1100" dirty="0">
+              <a:rPr lang="en-US" sz="1300" dirty="0">
                 <a:solidFill>
                   <a:srgbClr val="999999"/>
                 </a:solidFill>
@@ -4932,7 +4932,7 @@
               </a:rPr>
               <a:t># Recipe name</a:t>
             </a:r>
-            <a:endParaRPr lang="en-US" sz="1100" dirty="0"/>
+            <a:endParaRPr lang="en-US" sz="1300" dirty="0"/>
           </a:p>
         </p:txBody>
       </p:sp>
@@ -4944,8 +4944,8 @@
         </p:nvSpPr>
         <p:spPr>
           <a:xfrm>
-            <a:off x="634901" y="2031802"/>
-            <a:ext cx="8031682" cy="152400"/>
+            <a:off x="634901" y="1990279"/>
+            <a:ext cx="8031682" cy="180975"/>
           </a:xfrm>
           <a:prstGeom prst="rect">
             <a:avLst/>
@@ -4964,7 +4964,7 @@
               <a:buNone/>
             </a:pPr>
             <a:r>
-              <a:rPr lang="en-US" sz="1100" dirty="0">
+              <a:rPr lang="en-US" sz="1300" dirty="0">
                 <a:solidFill>
                   <a:srgbClr val="4E9F3D"/>
                 </a:solidFill>
@@ -4974,7 +4974,7 @@
               </a:rPr>
               <a:t>name: Weekly Equipment Reminder</a:t>
             </a:r>
-            <a:endParaRPr lang="en-US" sz="1100" dirty="0"/>
+            <a:endParaRPr lang="en-US" sz="1300" dirty="0"/>
           </a:p>
         </p:txBody>
       </p:sp>
@@ -4986,8 +4986,8 @@
         </p:nvSpPr>
         <p:spPr>
           <a:xfrm>
-            <a:off x="634901" y="2196852"/>
-            <a:ext cx="8031682" cy="152400"/>
+            <a:off x="634901" y="2183904"/>
+            <a:ext cx="8031682" cy="180975"/>
           </a:xfrm>
           <a:prstGeom prst="rect">
             <a:avLst/>
@@ -5006,7 +5006,7 @@
               <a:buNone/>
             </a:pPr>
             <a:r>
-              <a:rPr lang="en-US" sz="1100" dirty="0">
+              <a:rPr lang="en-US" sz="1300" dirty="0">
                 <a:solidFill>
                   <a:srgbClr val="999999"/>
                 </a:solidFill>
@@ -5016,7 +5016,7 @@
               </a:rPr>
               <a:t># When to start</a:t>
             </a:r>
-            <a:endParaRPr lang="en-US" sz="1100" dirty="0"/>
+            <a:endParaRPr lang="en-US" sz="1300" dirty="0"/>
           </a:p>
         </p:txBody>
       </p:sp>
@@ -5028,8 +5028,8 @@
         </p:nvSpPr>
         <p:spPr>
           <a:xfrm>
-            <a:off x="634901" y="2361902"/>
-            <a:ext cx="8031682" cy="152400"/>
+            <a:off x="634901" y="2377529"/>
+            <a:ext cx="8031682" cy="180975"/>
           </a:xfrm>
           <a:prstGeom prst="rect">
             <a:avLst/>
@@ -5048,7 +5048,7 @@
               <a:buNone/>
             </a:pPr>
             <a:r>
-              <a:rPr lang="en-US" sz="1100" dirty="0">
+              <a:rPr lang="en-US" sz="1300" dirty="0">
                 <a:solidFill>
                   <a:srgbClr val="4E9F3D"/>
                 </a:solidFill>
@@ -5058,7 +5058,7 @@
               </a:rPr>
               <a:t>on:</a:t>
             </a:r>
-            <a:endParaRPr lang="en-US" sz="1100" dirty="0"/>
+            <a:endParaRPr lang="en-US" sz="1300" dirty="0"/>
           </a:p>
         </p:txBody>
       </p:sp>
@@ -5070,8 +5070,8 @@
         </p:nvSpPr>
         <p:spPr>
           <a:xfrm>
-            <a:off x="634901" y="2526953"/>
-            <a:ext cx="8031682" cy="152400"/>
+            <a:off x="634901" y="2571155"/>
+            <a:ext cx="8031682" cy="180975"/>
           </a:xfrm>
           <a:prstGeom prst="rect">
             <a:avLst/>
@@ -5090,7 +5090,7 @@
               <a:buNone/>
             </a:pPr>
             <a:r>
-              <a:rPr lang="en-US" sz="1100" dirty="0">
+              <a:rPr lang="en-US" sz="1300" dirty="0">
                 <a:solidFill>
                   <a:srgbClr val="4E9F3D"/>
                 </a:solidFill>
@@ -5100,7 +5100,7 @@
               </a:rPr>
               <a:t>schedule:</a:t>
             </a:r>
-            <a:endParaRPr lang="en-US" sz="1100" dirty="0"/>
+            <a:endParaRPr lang="en-US" sz="1300" dirty="0"/>
           </a:p>
         </p:txBody>
       </p:sp>
@@ -5112,8 +5112,8 @@
         </p:nvSpPr>
         <p:spPr>
           <a:xfrm>
-            <a:off x="634901" y="2692003"/>
-            <a:ext cx="8031682" cy="152400"/>
+            <a:off x="634901" y="2764780"/>
+            <a:ext cx="8031682" cy="180975"/>
           </a:xfrm>
           <a:prstGeom prst="rect">
             <a:avLst/>
@@ -5132,7 +5132,7 @@
               <a:buNone/>
             </a:pPr>
             <a:r>
-              <a:rPr lang="en-US" sz="1100" dirty="0">
+              <a:rPr lang="en-US" sz="1300" dirty="0">
                 <a:solidFill>
                   <a:srgbClr val="4E9F3D"/>
                 </a:solidFill>
@@ -5149,7 +5149,7 @@
               <a:buNone/>
             </a:pPr>
             <a:r>
-              <a:rPr lang="en-US" sz="1100" dirty="0">
+              <a:rPr lang="en-US" sz="1300" dirty="0">
                 <a:solidFill>
                   <a:srgbClr val="999999"/>
                 </a:solidFill>
@@ -5159,7 +5159,7 @@
               </a:rPr>
               <a:t># Mon 8AM</a:t>
             </a:r>
-            <a:endParaRPr lang="en-US" sz="1100" dirty="0"/>
+            <a:endParaRPr lang="en-US" sz="1300" dirty="0"/>
           </a:p>
         </p:txBody>
       </p:sp>
@@ -5171,8 +5171,8 @@
         </p:nvSpPr>
         <p:spPr>
           <a:xfrm>
-            <a:off x="634901" y="2857054"/>
-            <a:ext cx="8031682" cy="152400"/>
+            <a:off x="634901" y="2958405"/>
+            <a:ext cx="8031682" cy="180975"/>
           </a:xfrm>
           <a:prstGeom prst="rect">
             <a:avLst/>
@@ -5191,7 +5191,7 @@
               <a:buNone/>
             </a:pPr>
             <a:r>
-              <a:rPr lang="en-US" sz="1100" dirty="0">
+              <a:rPr lang="en-US" sz="1300" dirty="0">
                 <a:solidFill>
                   <a:srgbClr val="999999"/>
                 </a:solidFill>
@@ -5201,7 +5201,7 @@
               </a:rPr>
               <a:t># The work to do</a:t>
             </a:r>
-            <a:endParaRPr lang="en-US" sz="1100" dirty="0"/>
+            <a:endParaRPr lang="en-US" sz="1300" dirty="0"/>
           </a:p>
         </p:txBody>
       </p:sp>
@@ -5213,8 +5213,8 @@
         </p:nvSpPr>
         <p:spPr>
           <a:xfrm>
-            <a:off x="634901" y="3022104"/>
-            <a:ext cx="8031682" cy="152400"/>
+            <a:off x="634901" y="3152031"/>
+            <a:ext cx="8031682" cy="180975"/>
           </a:xfrm>
           <a:prstGeom prst="rect">
             <a:avLst/>
@@ -5233,7 +5233,7 @@
               <a:buNone/>
             </a:pPr>
             <a:r>
-              <a:rPr lang="en-US" sz="1100" dirty="0">
+              <a:rPr lang="en-US" sz="1300" dirty="0">
                 <a:solidFill>
                   <a:srgbClr val="4E9F3D"/>
                 </a:solidFill>
@@ -5243,7 +5243,7 @@
               </a:rPr>
               <a:t>jobs:</a:t>
             </a:r>
-            <a:endParaRPr lang="en-US" sz="1100" dirty="0"/>
+            <a:endParaRPr lang="en-US" sz="1300" dirty="0"/>
           </a:p>
         </p:txBody>
       </p:sp>
@@ -5255,8 +5255,8 @@
         </p:nvSpPr>
         <p:spPr>
           <a:xfrm>
-            <a:off x="634901" y="3187154"/>
-            <a:ext cx="8031682" cy="152400"/>
+            <a:off x="634901" y="3345656"/>
+            <a:ext cx="8031682" cy="180975"/>
           </a:xfrm>
           <a:prstGeom prst="rect">
             <a:avLst/>
@@ -5275,7 +5275,7 @@
               <a:buNone/>
             </a:pPr>
             <a:r>
-              <a:rPr lang="en-US" sz="1100" dirty="0">
+              <a:rPr lang="en-US" sz="1300" dirty="0">
                 <a:solidFill>
                   <a:srgbClr val="4E9F3D"/>
                 </a:solidFill>
@@ -5285,7 +5285,7 @@
               </a:rPr>
               <a:t>send-reminder:</a:t>
             </a:r>
-            <a:endParaRPr lang="en-US" sz="1100" dirty="0"/>
+            <a:endParaRPr lang="en-US" sz="1300" dirty="0"/>
           </a:p>
         </p:txBody>
       </p:sp>
@@ -5297,8 +5297,8 @@
         </p:nvSpPr>
         <p:spPr>
           <a:xfrm>
-            <a:off x="634901" y="3352205"/>
-            <a:ext cx="8031682" cy="152400"/>
+            <a:off x="634901" y="3539282"/>
+            <a:ext cx="8031682" cy="180975"/>
           </a:xfrm>
           <a:prstGeom prst="rect">
             <a:avLst/>
@@ -5317,7 +5317,7 @@
               <a:buNone/>
             </a:pPr>
             <a:r>
-              <a:rPr lang="en-US" sz="1100" dirty="0">
+              <a:rPr lang="en-US" sz="1300" dirty="0">
                 <a:solidFill>
                   <a:srgbClr val="4E9F3D"/>
                 </a:solidFill>
@@ -5327,7 +5327,7 @@
               </a:rPr>
               <a:t>steps:</a:t>
             </a:r>
-            <a:endParaRPr lang="en-US" sz="1100" dirty="0"/>
+            <a:endParaRPr lang="en-US" sz="1300" dirty="0"/>
           </a:p>
         </p:txBody>
       </p:sp>
@@ -5339,8 +5339,8 @@
         </p:nvSpPr>
         <p:spPr>
           <a:xfrm>
-            <a:off x="634901" y="3517255"/>
-            <a:ext cx="8031682" cy="152400"/>
+            <a:off x="634901" y="3732907"/>
+            <a:ext cx="8031682" cy="180975"/>
           </a:xfrm>
           <a:prstGeom prst="rect">
             <a:avLst/>
@@ -5359,7 +5359,7 @@
               <a:buNone/>
             </a:pPr>
             <a:r>
-              <a:rPr lang="en-US" sz="1100" dirty="0">
+              <a:rPr lang="en-US" sz="1300" dirty="0">
                 <a:solidFill>
                   <a:srgbClr val="4E9F3D"/>
                 </a:solidFill>
@@ -5369,7 +5369,7 @@
               </a:rPr>
               <a:t>name: Create reminder Issue</a:t>
             </a:r>
-            <a:endParaRPr lang="en-US" sz="1100" dirty="0"/>
+            <a:endParaRPr lang="en-US" sz="1300" dirty="0"/>
           </a:p>
         </p:txBody>
       </p:sp>
@@ -5381,8 +5381,8 @@
         </p:nvSpPr>
         <p:spPr>
           <a:xfrm>
-            <a:off x="457200" y="3885456"/>
-            <a:ext cx="8394192" cy="219075"/>
+            <a:off x="457200" y="4078784"/>
+            <a:ext cx="8394192" cy="238125"/>
           </a:xfrm>
           <a:prstGeom prst="rect">
             <a:avLst/>
@@ -5396,12 +5396,12 @@
           <a:p>
             <a:pPr algn="l" indent="0" marL="0">
               <a:spcAft>
-                <a:spcPts val="600"/>
-              </a:spcAft>
-              <a:buNone/>
-            </a:pPr>
-            <a:r>
-              <a:rPr lang="en-US" sz="1500" b="1" dirty="0">
+                <a:spcPts val="400"/>
+              </a:spcAft>
+              <a:buNone/>
+            </a:pPr>
+            <a:r>
+              <a:rPr lang="en-US" sz="1600" b="1" dirty="0">
                 <a:solidFill>
                   <a:srgbClr val="2C2C2C"/>
                 </a:solidFill>
@@ -5411,7 +5411,7 @@
               </a:rPr>
               <a:t>Don't worry about every line. Focus on the parts we will highlight next.</a:t>
             </a:r>
-            <a:endParaRPr lang="en-US" sz="1500" dirty="0"/>
+            <a:endParaRPr lang="en-US" sz="1600" dirty="0"/>
           </a:p>
         </p:txBody>
       </p:sp>
@@ -5456,7 +5456,7 @@
         <p:spPr>
           <a:xfrm>
             <a:off x="0" y="0"/>
-            <a:ext cx="9144000" cy="758726"/>
+            <a:ext cx="9144000" cy="628650"/>
           </a:xfrm>
           <a:prstGeom prst="rect">
             <a:avLst/>
@@ -5485,8 +5485,8 @@
         </p:nvSpPr>
         <p:spPr>
           <a:xfrm>
-            <a:off x="457200" y="203150"/>
-            <a:ext cx="8394192" cy="352425"/>
+            <a:off x="457200" y="152400"/>
+            <a:ext cx="8394192" cy="323850"/>
           </a:xfrm>
           <a:prstGeom prst="rect">
             <a:avLst/>
@@ -5502,7 +5502,7 @@
               <a:buNone/>
             </a:pPr>
             <a:r>
-              <a:rPr lang="en-US" sz="2400" b="1" dirty="0">
+              <a:rPr lang="en-US" sz="2200" b="1" dirty="0">
                 <a:solidFill>
                   <a:srgbClr val="FFFFFF"/>
                 </a:solidFill>
@@ -5512,7 +5512,7 @@
               </a:rPr>
               <a:t>The Recipe Card: Key Parts of a Workflow</a:t>
             </a:r>
-            <a:endParaRPr lang="en-US" sz="2400" dirty="0"/>
+            <a:endParaRPr lang="en-US" sz="2200" dirty="0"/>
           </a:p>
         </p:txBody>
       </p:sp>
@@ -5524,8 +5524,8 @@
         </p:nvSpPr>
         <p:spPr>
           <a:xfrm>
-            <a:off x="457200" y="911126"/>
-            <a:ext cx="8394192" cy="295275"/>
+            <a:off x="457200" y="704850"/>
+            <a:ext cx="8394192" cy="266700"/>
           </a:xfrm>
           <a:prstGeom prst="rect">
             <a:avLst/>
@@ -5539,12 +5539,12 @@
           <a:p>
             <a:pPr algn="l" indent="0" marL="0">
               <a:spcAft>
-                <a:spcPts val="600"/>
-              </a:spcAft>
-              <a:buNone/>
-            </a:pPr>
-            <a:r>
-              <a:rPr lang="en-US" sz="2000" b="1" dirty="0">
+                <a:spcPts val="300"/>
+              </a:spcAft>
+              <a:buNone/>
+            </a:pPr>
+            <a:r>
+              <a:rPr lang="en-US" sz="1800" b="1" dirty="0">
                 <a:solidFill>
                   <a:srgbClr val="1E5128"/>
                 </a:solidFill>
@@ -5554,7 +5554,7 @@
               </a:rPr>
               <a:t>Every workflow has these key parts, just like a recipe card:</a:t>
             </a:r>
-            <a:endParaRPr lang="en-US" sz="2000" dirty="0"/>
+            <a:endParaRPr lang="en-US" sz="1800" dirty="0"/>
           </a:p>
         </p:txBody>
       </p:sp>
@@ -5566,8 +5566,8 @@
         </p:nvSpPr>
         <p:spPr>
           <a:xfrm>
-            <a:off x="457200" y="3136702"/>
-            <a:ext cx="8229600" cy="936129"/>
+            <a:off x="457200" y="2825651"/>
+            <a:ext cx="8229600" cy="1406277"/>
           </a:xfrm>
           <a:prstGeom prst="rect">
             <a:avLst/>
@@ -5596,8 +5596,8 @@
         </p:nvSpPr>
         <p:spPr>
           <a:xfrm>
-            <a:off x="495300" y="3136702"/>
-            <a:ext cx="0" cy="936129"/>
+            <a:off x="495300" y="2825651"/>
+            <a:ext cx="0" cy="1406277"/>
           </a:xfrm>
           <a:prstGeom prst="line">
             <a:avLst/>
@@ -5619,8 +5619,8 @@
         </p:nvSpPr>
         <p:spPr>
           <a:xfrm>
-            <a:off x="711101" y="3238202"/>
-            <a:ext cx="7953958" cy="219075"/>
+            <a:off x="711101" y="2901851"/>
+            <a:ext cx="7953958" cy="238125"/>
           </a:xfrm>
           <a:prstGeom prst="rect">
             <a:avLst/>
@@ -5634,12 +5634,12 @@
           <a:p>
             <a:pPr algn="l" indent="0" marL="0">
               <a:spcAft>
-                <a:spcPts val="200"/>
-              </a:spcAft>
-              <a:buNone/>
-            </a:pPr>
-            <a:r>
-              <a:rPr lang="en-US" sz="1500" b="1" dirty="0">
+                <a:spcPts val="100"/>
+              </a:spcAft>
+              <a:buNone/>
+            </a:pPr>
+            <a:r>
+              <a:rPr lang="en-US" sz="1600" b="1" dirty="0">
                 <a:solidFill>
                   <a:srgbClr val="2C2C2C"/>
                 </a:solidFill>
@@ -5649,7 +5649,7 @@
               </a:rPr>
               <a:t>Reading a workflow is like reading a recipe:</a:t>
             </a:r>
-            <a:endParaRPr lang="en-US" sz="1500" dirty="0"/>
+            <a:endParaRPr lang="en-US" sz="1600" dirty="0"/>
           </a:p>
         </p:txBody>
       </p:sp>
@@ -5661,8 +5661,8 @@
         </p:nvSpPr>
         <p:spPr>
           <a:xfrm>
-            <a:off x="711101" y="3482578"/>
-            <a:ext cx="7953958" cy="219075"/>
+            <a:off x="711101" y="3152626"/>
+            <a:ext cx="7797998" cy="990451"/>
           </a:xfrm>
           <a:prstGeom prst="rect">
             <a:avLst/>
@@ -5671,17 +5671,18 @@
           <a:ln/>
         </p:spPr>
         <p:txBody>
-          <a:bodyPr wrap="square" lIns="0" tIns="0" rIns="0" bIns="0" rtlCol="0" anchor="t"/>
-          <a:lstStyle/>
-          <a:p>
-            <a:pPr algn="l" indent="0" marL="0">
-              <a:spcAft>
-                <a:spcPts val="200"/>
-              </a:spcAft>
-              <a:buNone/>
-            </a:pPr>
-            <a:r>
-              <a:rPr lang="en-US" sz="1500" dirty="0">
+          <a:bodyPr wrap="square" lIns="127000" tIns="0" rIns="0" bIns="0" rtlCol="0" anchor="t"/>
+          <a:lstStyle/>
+          <a:p>
+            <a:pPr algn="l" marL="127000" indent="-127000">
+              <a:spcAft>
+                <a:spcPts val="100"/>
+              </a:spcAft>
+              <a:buSzPct val="100000"/>
+              <a:buChar char="•"/>
+            </a:pPr>
+            <a:r>
+              <a:rPr lang="en-US" sz="1600" dirty="0">
                 <a:solidFill>
                   <a:srgbClr val="2C2C2C"/>
                 </a:solidFill>
@@ -5689,41 +5690,20 @@
                 <a:ea typeface="Arial" pitchFamily="34" charset="-122"/>
                 <a:cs typeface="Arial" pitchFamily="34" charset="-120"/>
               </a:rPr>
-              <a:t>1. What's it called? (name)   2. When do we make it? (trigger)</a:t>
-            </a:r>
-            <a:endParaRPr lang="en-US" sz="1500" dirty="0"/>
-          </a:p>
-        </p:txBody>
-      </p:sp>
-      <p:sp>
-        <p:nvSpPr>
-          <p:cNvPr id="9" name="Text 7"/>
-          <p:cNvSpPr/>
-          <p:nvPr/>
-        </p:nvSpPr>
-        <p:spPr>
-          <a:xfrm>
-            <a:off x="711101" y="3726954"/>
-            <a:ext cx="7953958" cy="219075"/>
-          </a:xfrm>
-          <a:prstGeom prst="rect">
-            <a:avLst/>
-          </a:prstGeom>
-          <a:noFill/>
-          <a:ln/>
-        </p:spPr>
-        <p:txBody>
-          <a:bodyPr wrap="square" lIns="0" tIns="0" rIns="0" bIns="0" rtlCol="0" anchor="t"/>
-          <a:lstStyle/>
-          <a:p>
-            <a:pPr algn="l" indent="0" marL="0">
-              <a:spcAft>
-                <a:spcPts val="200"/>
-              </a:spcAft>
-              <a:buNone/>
-            </a:pPr>
-            <a:r>
-              <a:rPr lang="en-US" sz="1500" dirty="0">
+              <a:t>What's it called? (name)</a:t>
+            </a:r>
+            <a:endParaRPr lang="en-US" sz="1600" dirty="0"/>
+          </a:p>
+          <a:p>
+            <a:pPr algn="l" marL="127000" indent="-127000">
+              <a:spcAft>
+                <a:spcPts val="100"/>
+              </a:spcAft>
+              <a:buSzPct val="100000"/>
+              <a:buChar char="•"/>
+            </a:pPr>
+            <a:r>
+              <a:rPr lang="en-US" sz="1600" dirty="0">
                 <a:solidFill>
                   <a:srgbClr val="2C2C2C"/>
                 </a:solidFill>
@@ -5731,9 +5711,51 @@
                 <a:ea typeface="Arial" pitchFamily="34" charset="-122"/>
                 <a:cs typeface="Arial" pitchFamily="34" charset="-120"/>
               </a:rPr>
-              <a:t>3. What are we making? (job)   4. What are the steps? (steps)</a:t>
-            </a:r>
-            <a:endParaRPr lang="en-US" sz="1500" dirty="0"/>
+              <a:t>When do we make it? (trigger)</a:t>
+            </a:r>
+            <a:endParaRPr lang="en-US" sz="1600" dirty="0"/>
+          </a:p>
+          <a:p>
+            <a:pPr algn="l" marL="127000" indent="-127000">
+              <a:spcAft>
+                <a:spcPts val="100"/>
+              </a:spcAft>
+              <a:buSzPct val="100000"/>
+              <a:buChar char="•"/>
+            </a:pPr>
+            <a:r>
+              <a:rPr lang="en-US" sz="1600" dirty="0">
+                <a:solidFill>
+                  <a:srgbClr val="2C2C2C"/>
+                </a:solidFill>
+                <a:latin typeface="Arial" pitchFamily="34" charset="0"/>
+                <a:ea typeface="Arial" pitchFamily="34" charset="-122"/>
+                <a:cs typeface="Arial" pitchFamily="34" charset="-120"/>
+              </a:rPr>
+              <a:t>What are we making? (job)</a:t>
+            </a:r>
+            <a:endParaRPr lang="en-US" sz="1600" dirty="0"/>
+          </a:p>
+          <a:p>
+            <a:pPr algn="l" marL="127000" indent="-127000">
+              <a:spcAft>
+                <a:spcPts val="100"/>
+              </a:spcAft>
+              <a:buSzPct val="100000"/>
+              <a:buChar char="•"/>
+            </a:pPr>
+            <a:r>
+              <a:rPr lang="en-US" sz="1600" dirty="0">
+                <a:solidFill>
+                  <a:srgbClr val="2C2C2C"/>
+                </a:solidFill>
+                <a:latin typeface="Arial" pitchFamily="34" charset="0"/>
+                <a:ea typeface="Arial" pitchFamily="34" charset="-122"/>
+                <a:cs typeface="Arial" pitchFamily="34" charset="-120"/>
+              </a:rPr>
+              <a:t>What are the steps? (steps)</a:t>
+            </a:r>
+            <a:endParaRPr lang="en-US" sz="1600" dirty="0"/>
           </a:p>
         </p:txBody>
       </p:sp>
@@ -5752,8 +5774,8 @@
           </p:nvPr>
         </p:nvGraphicFramePr>
         <p:xfrm>
-          <a:off x="457200" y="1097280"/>
-          <a:ext cx="8229600" cy="914400"/>
+          <a:off x="457200" y="1009650"/>
+          <a:ext cx="8229600" cy="1777901"/>
         </p:xfrm>
         <a:graphic>
           <a:graphicData uri="http://schemas.openxmlformats.org/drawingml/2006/table">
@@ -5764,7 +5786,7 @@
                 <a:gridCol w="1645920"/>
                 <a:gridCol w="4297680"/>
               </a:tblGrid>
-              <a:tr h="365760">
+              <a:tr h="329184">
                 <a:tc>
                   <a:txBody>
                     <a:bodyPr/>
@@ -5949,7 +5971,7 @@
                   </a:tcPr>
                 </a:tc>
               </a:tr>
-              <a:tr h="411480">
+              <a:tr h="347472">
                 <a:tc>
                   <a:txBody>
                     <a:bodyPr/>
@@ -6132,7 +6154,7 @@
                   </a:tcPr>
                 </a:tc>
               </a:tr>
-              <a:tr h="411480">
+              <a:tr h="347472">
                 <a:tc>
                   <a:txBody>
                     <a:bodyPr/>
@@ -6315,7 +6337,7 @@
                   </a:tcPr>
                 </a:tc>
               </a:tr>
-              <a:tr h="411480">
+              <a:tr h="347472">
                 <a:tc>
                   <a:txBody>
                     <a:bodyPr/>
@@ -6498,7 +6520,7 @@
                   </a:tcPr>
                 </a:tc>
               </a:tr>
-              <a:tr h="411480">
+              <a:tr h="347472">
                 <a:tc>
                   <a:txBody>
                     <a:bodyPr/>
@@ -7810,7 +7832,7 @@
         <p:spPr>
           <a:xfrm>
             <a:off x="0" y="0"/>
-            <a:ext cx="9144000" cy="828675"/>
+            <a:ext cx="9144000" cy="707827"/>
           </a:xfrm>
           <a:prstGeom prst="rect">
             <a:avLst/>
@@ -7839,8 +7861,8 @@
         </p:nvSpPr>
         <p:spPr>
           <a:xfrm>
-            <a:off x="457200" y="228600"/>
-            <a:ext cx="8394192" cy="371475"/>
+            <a:off x="457200" y="177701"/>
+            <a:ext cx="8394192" cy="352425"/>
           </a:xfrm>
           <a:prstGeom prst="rect">
             <a:avLst/>
@@ -7856,7 +7878,7 @@
               <a:buNone/>
             </a:pPr>
             <a:r>
-              <a:rPr lang="en-US" sz="2600" b="1" dirty="0">
+              <a:rPr lang="en-US" sz="2400" b="1" dirty="0">
                 <a:solidFill>
                   <a:srgbClr val="FFFFFF"/>
                 </a:solidFill>
@@ -7866,7 +7888,7 @@
               </a:rPr>
               <a:t>Example 3: Welcome New Team Members</a:t>
             </a:r>
-            <a:endParaRPr lang="en-US" sz="2600" dirty="0"/>
+            <a:endParaRPr lang="en-US" sz="2400" dirty="0"/>
           </a:p>
         </p:txBody>
       </p:sp>
@@ -7878,7 +7900,7 @@
         </p:nvSpPr>
         <p:spPr>
           <a:xfrm>
-            <a:off x="457200" y="1133475"/>
+            <a:off x="457200" y="860227"/>
             <a:ext cx="8394192" cy="266700"/>
           </a:xfrm>
           <a:prstGeom prst="rect">
@@ -7893,7 +7915,7 @@
           <a:p>
             <a:pPr algn="l" indent="0" marL="0">
               <a:spcAft>
-                <a:spcPts val="1000"/>
+                <a:spcPts val="500"/>
               </a:spcAft>
               <a:buNone/>
             </a:pPr>
@@ -7910,7 +7932,7 @@
             </a:r>
             <a:pPr algn="l" indent="0" marL="0">
               <a:spcAft>
-                <a:spcPts val="1000"/>
+                <a:spcPts val="500"/>
               </a:spcAft>
               <a:buNone/>
             </a:pPr>
@@ -7937,7 +7959,7 @@
         </p:nvSpPr>
         <p:spPr>
           <a:xfrm>
-            <a:off x="457200" y="1527125"/>
+            <a:off x="457200" y="1190327"/>
             <a:ext cx="8394192" cy="266700"/>
           </a:xfrm>
           <a:prstGeom prst="rect">
@@ -7952,7 +7974,7 @@
           <a:p>
             <a:pPr algn="l" indent="0" marL="0">
               <a:spcAft>
-                <a:spcPts val="1000"/>
+                <a:spcPts val="500"/>
               </a:spcAft>
               <a:buNone/>
             </a:pPr>
@@ -7969,7 +7991,7 @@
             </a:r>
             <a:pPr algn="l" indent="0" marL="0">
               <a:spcAft>
-                <a:spcPts val="1000"/>
+                <a:spcPts val="500"/>
               </a:spcAft>
               <a:buNone/>
             </a:pPr>
@@ -7996,7 +8018,7 @@
         </p:nvSpPr>
         <p:spPr>
           <a:xfrm>
-            <a:off x="457200" y="1920776"/>
+            <a:off x="457200" y="1520428"/>
             <a:ext cx="8394192" cy="266700"/>
           </a:xfrm>
           <a:prstGeom prst="rect">
@@ -8011,7 +8033,7 @@
           <a:p>
             <a:pPr algn="l" indent="0" marL="0">
               <a:spcAft>
-                <a:spcPts val="1000"/>
+                <a:spcPts val="500"/>
               </a:spcAft>
               <a:buNone/>
             </a:pPr>
@@ -8028,7 +8050,7 @@
             </a:r>
             <a:pPr algn="l" indent="0" marL="0">
               <a:spcAft>
-                <a:spcPts val="1000"/>
+                <a:spcPts val="500"/>
               </a:spcAft>
               <a:buNone/>
             </a:pPr>
@@ -8055,12 +8077,12 @@
         </p:nvSpPr>
         <p:spPr>
           <a:xfrm>
-            <a:off x="457200" y="2314426"/>
-            <a:ext cx="8229600" cy="1523851"/>
+            <a:off x="457200" y="1850529"/>
+            <a:ext cx="8229600" cy="1384102"/>
           </a:xfrm>
           <a:prstGeom prst="roundRect">
             <a:avLst>
-              <a:gd name="adj" fmla="val 5000"/>
+              <a:gd name="adj" fmla="val 5505"/>
             </a:avLst>
           </a:prstGeom>
           <a:solidFill>
@@ -8087,7 +8109,7 @@
         </p:nvSpPr>
         <p:spPr>
           <a:xfrm>
-            <a:off x="660350" y="2466826"/>
+            <a:off x="660350" y="1952030"/>
             <a:ext cx="7979765" cy="266700"/>
           </a:xfrm>
           <a:prstGeom prst="rect">
@@ -8102,7 +8124,7 @@
           <a:p>
             <a:pPr algn="l" indent="0" marL="0">
               <a:spcAft>
-                <a:spcPts val="400"/>
+                <a:spcPts val="300"/>
               </a:spcAft>
               <a:buNone/>
             </a:pPr>
@@ -8129,7 +8151,7 @@
         </p:nvSpPr>
         <p:spPr>
           <a:xfrm>
-            <a:off x="660350" y="2784277"/>
+            <a:off x="660350" y="2256830"/>
             <a:ext cx="7979765" cy="266700"/>
           </a:xfrm>
           <a:prstGeom prst="rect">
@@ -8144,7 +8166,7 @@
           <a:p>
             <a:pPr algn="l" indent="0" marL="0">
               <a:spcAft>
-                <a:spcPts val="400"/>
+                <a:spcPts val="300"/>
               </a:spcAft>
               <a:buNone/>
             </a:pPr>
@@ -8171,7 +8193,7 @@
         </p:nvSpPr>
         <p:spPr>
           <a:xfrm>
-            <a:off x="660350" y="3101727"/>
+            <a:off x="660350" y="2561630"/>
             <a:ext cx="7979765" cy="533400"/>
           </a:xfrm>
           <a:prstGeom prst="rect">
@@ -8186,7 +8208,7 @@
           <a:p>
             <a:pPr algn="l" indent="0" marL="0">
               <a:spcAft>
-                <a:spcPts val="400"/>
+                <a:spcPts val="300"/>
               </a:spcAft>
               <a:buNone/>
             </a:pPr>
@@ -8213,8 +8235,8 @@
         </p:nvSpPr>
         <p:spPr>
           <a:xfrm>
-            <a:off x="457200" y="3939778"/>
-            <a:ext cx="8229600" cy="730151"/>
+            <a:off x="457200" y="3285381"/>
+            <a:ext cx="8229600" cy="679252"/>
           </a:xfrm>
           <a:prstGeom prst="rect">
             <a:avLst/>
@@ -8243,8 +8265,8 @@
         </p:nvSpPr>
         <p:spPr>
           <a:xfrm>
-            <a:off x="495300" y="3939778"/>
-            <a:ext cx="0" cy="730151"/>
+            <a:off x="495300" y="3285381"/>
+            <a:ext cx="0" cy="679252"/>
           </a:xfrm>
           <a:prstGeom prst="line">
             <a:avLst/>
@@ -8266,7 +8288,7 @@
         </p:nvSpPr>
         <p:spPr>
           <a:xfrm>
-            <a:off x="736550" y="4066729"/>
+            <a:off x="736550" y="3386882"/>
             <a:ext cx="7902041" cy="476250"/>
           </a:xfrm>
           <a:prstGeom prst="rect">
@@ -8352,7 +8374,7 @@
         <p:spPr>
           <a:xfrm>
             <a:off x="0" y="0"/>
-            <a:ext cx="9144000" cy="866775"/>
+            <a:ext cx="9144000" cy="726877"/>
           </a:xfrm>
           <a:prstGeom prst="rect">
             <a:avLst/>
@@ -8381,8 +8403,8 @@
         </p:nvSpPr>
         <p:spPr>
           <a:xfrm>
-            <a:off x="457200" y="228600"/>
-            <a:ext cx="8394192" cy="409575"/>
+            <a:off x="457200" y="177701"/>
+            <a:ext cx="8394192" cy="371475"/>
           </a:xfrm>
           <a:prstGeom prst="rect">
             <a:avLst/>
@@ -8398,7 +8420,7 @@
               <a:buNone/>
             </a:pPr>
             <a:r>
-              <a:rPr lang="en-US" sz="2800" b="1" dirty="0">
+              <a:rPr lang="en-US" sz="2600" b="1" dirty="0">
                 <a:solidFill>
                   <a:srgbClr val="FFFFFF"/>
                 </a:solidFill>
@@ -8408,7 +8430,7 @@
               </a:rPr>
               <a:t>Live Demo: Viewing a Pre-Built Workflow</a:t>
             </a:r>
-            <a:endParaRPr lang="en-US" sz="2800" dirty="0"/>
+            <a:endParaRPr lang="en-US" sz="2600" dirty="0"/>
           </a:p>
         </p:txBody>
       </p:sp>
@@ -8420,8 +8442,8 @@
         </p:nvSpPr>
         <p:spPr>
           <a:xfrm>
-            <a:off x="457200" y="1171575"/>
-            <a:ext cx="8394192" cy="323850"/>
+            <a:off x="457200" y="879277"/>
+            <a:ext cx="8394192" cy="266700"/>
           </a:xfrm>
           <a:prstGeom prst="rect">
             <a:avLst/>
@@ -8435,12 +8457,12 @@
           <a:p>
             <a:pPr algn="l" indent="0" marL="0">
               <a:spcAft>
-                <a:spcPts val="1200"/>
-              </a:spcAft>
-              <a:buNone/>
-            </a:pPr>
-            <a:r>
-              <a:rPr lang="en-US" sz="2200" b="1" dirty="0">
+                <a:spcPts val="600"/>
+              </a:spcAft>
+              <a:buNone/>
+            </a:pPr>
+            <a:r>
+              <a:rPr lang="en-US" sz="1800" b="1" dirty="0">
                 <a:solidFill>
                   <a:srgbClr val="1E5128"/>
                 </a:solidFill>
@@ -8450,7 +8472,7 @@
               </a:rPr>
               <a:t>Watch me explore a workflow in the Actions tab.</a:t>
             </a:r>
-            <a:endParaRPr lang="en-US" sz="2200" dirty="0"/>
+            <a:endParaRPr lang="en-US" sz="1800" dirty="0"/>
           </a:p>
         </p:txBody>
       </p:sp>
@@ -8462,7 +8484,7 @@
         </p:nvSpPr>
         <p:spPr>
           <a:xfrm>
-            <a:off x="457200" y="1647825"/>
+            <a:off x="457200" y="1222177"/>
             <a:ext cx="8394192" cy="266700"/>
           </a:xfrm>
           <a:prstGeom prst="rect">
@@ -8477,7 +8499,7 @@
           <a:p>
             <a:pPr algn="l" indent="0" marL="0">
               <a:spcAft>
-                <a:spcPts val="1000"/>
+                <a:spcPts val="500"/>
               </a:spcAft>
               <a:buNone/>
             </a:pPr>
@@ -8504,12 +8526,12 @@
         </p:nvSpPr>
         <p:spPr>
           <a:xfrm>
-            <a:off x="457200" y="2041475"/>
-            <a:ext cx="8229600" cy="1727002"/>
+            <a:off x="457200" y="1552277"/>
+            <a:ext cx="8229600" cy="1473101"/>
           </a:xfrm>
           <a:prstGeom prst="roundRect">
             <a:avLst>
-              <a:gd name="adj" fmla="val 4412"/>
+              <a:gd name="adj" fmla="val 5173"/>
             </a:avLst>
           </a:prstGeom>
           <a:solidFill>
@@ -8536,8 +8558,8 @@
         </p:nvSpPr>
         <p:spPr>
           <a:xfrm>
-            <a:off x="685800" y="2219176"/>
-            <a:ext cx="7772400" cy="1295400"/>
+            <a:off x="685800" y="1679228"/>
+            <a:ext cx="7772400" cy="1181100"/>
           </a:xfrm>
           <a:prstGeom prst="rect">
             <a:avLst/>
@@ -8551,7 +8573,7 @@
           <a:p>
             <a:pPr algn="l" marL="139700" indent="-139700">
               <a:spcAft>
-                <a:spcPts val="600"/>
+                <a:spcPts val="300"/>
               </a:spcAft>
               <a:buSzPct val="100000"/>
               <a:buChar char="•"/>
@@ -8569,7 +8591,7 @@
             </a:r>
             <a:pPr algn="l" indent="0" marL="0">
               <a:spcAft>
-                <a:spcPts val="600"/>
+                <a:spcPts val="300"/>
               </a:spcAft>
               <a:buNone/>
             </a:pPr>
@@ -8586,7 +8608,7 @@
             </a:r>
             <a:pPr algn="l" indent="0" marL="0">
               <a:spcAft>
-                <a:spcPts val="600"/>
+                <a:spcPts val="300"/>
               </a:spcAft>
               <a:buNone/>
             </a:pPr>
@@ -8606,7 +8628,7 @@
           <a:p>
             <a:pPr algn="l" marL="139700" indent="-139700">
               <a:spcAft>
-                <a:spcPts val="600"/>
+                <a:spcPts val="300"/>
               </a:spcAft>
               <a:buSzPct val="100000"/>
               <a:buChar char="•"/>
@@ -8627,7 +8649,7 @@
           <a:p>
             <a:pPr algn="l" marL="139700" indent="-139700">
               <a:spcAft>
-                <a:spcPts val="600"/>
+                <a:spcPts val="300"/>
               </a:spcAft>
               <a:buSzPct val="100000"/>
               <a:buChar char="•"/>
@@ -8648,7 +8670,7 @@
           <a:p>
             <a:pPr algn="l" marL="139700" indent="-139700">
               <a:spcAft>
-                <a:spcPts val="600"/>
+                <a:spcPts val="300"/>
               </a:spcAft>
               <a:buSzPct val="100000"/>
               <a:buChar char="•"/>
@@ -8676,7 +8698,7 @@
         </p:nvSpPr>
         <p:spPr>
           <a:xfrm>
-            <a:off x="457200" y="3869978"/>
+            <a:off x="457200" y="3076129"/>
             <a:ext cx="8394192" cy="266700"/>
           </a:xfrm>
           <a:prstGeom prst="rect">
@@ -8691,7 +8713,7 @@
           <a:p>
             <a:pPr algn="l" indent="0" marL="0">
               <a:spcAft>
-                <a:spcPts val="1000"/>
+                <a:spcPts val="500"/>
               </a:spcAft>
               <a:buNone/>
             </a:pPr>
@@ -8751,7 +8773,7 @@
         <p:spPr>
           <a:xfrm>
             <a:off x="0" y="0"/>
-            <a:ext cx="9144000" cy="866775"/>
+            <a:ext cx="9144000" cy="726877"/>
           </a:xfrm>
           <a:prstGeom prst="rect">
             <a:avLst/>
@@ -8780,8 +8802,8 @@
         </p:nvSpPr>
         <p:spPr>
           <a:xfrm>
-            <a:off x="457200" y="228600"/>
-            <a:ext cx="8394192" cy="409575"/>
+            <a:off x="457200" y="177701"/>
+            <a:ext cx="8394192" cy="371475"/>
           </a:xfrm>
           <a:prstGeom prst="rect">
             <a:avLst/>
@@ -8797,7 +8819,7 @@
               <a:buNone/>
             </a:pPr>
             <a:r>
-              <a:rPr lang="en-US" sz="2800" b="1" dirty="0">
+              <a:rPr lang="en-US" sz="2600" b="1" dirty="0">
                 <a:solidFill>
                   <a:srgbClr val="FFFFFF"/>
                 </a:solidFill>
@@ -8807,7 +8829,7 @@
               </a:rPr>
               <a:t>Guided Practice Introduction</a:t>
             </a:r>
-            <a:endParaRPr lang="en-US" sz="2800" dirty="0"/>
+            <a:endParaRPr lang="en-US" sz="2600" dirty="0"/>
           </a:p>
         </p:txBody>
       </p:sp>
@@ -8819,8 +8841,8 @@
         </p:nvSpPr>
         <p:spPr>
           <a:xfrm>
-            <a:off x="457200" y="1171575"/>
-            <a:ext cx="8394192" cy="323850"/>
+            <a:off x="457200" y="879277"/>
+            <a:ext cx="8394192" cy="266700"/>
           </a:xfrm>
           <a:prstGeom prst="rect">
             <a:avLst/>
@@ -8834,12 +8856,12 @@
           <a:p>
             <a:pPr algn="l" indent="0" marL="0">
               <a:spcAft>
-                <a:spcPts val="1200"/>
-              </a:spcAft>
-              <a:buNone/>
-            </a:pPr>
-            <a:r>
-              <a:rPr lang="en-US" sz="2200" b="1" dirty="0">
+                <a:spcPts val="600"/>
+              </a:spcAft>
+              <a:buNone/>
+            </a:pPr>
+            <a:r>
+              <a:rPr lang="en-US" sz="1800" b="1" dirty="0">
                 <a:solidFill>
                   <a:srgbClr val="1E5128"/>
                 </a:solidFill>
@@ -8849,7 +8871,7 @@
               </a:rPr>
               <a:t>Your turn! Follow along with me.</a:t>
             </a:r>
-            <a:endParaRPr lang="en-US" sz="2200" dirty="0"/>
+            <a:endParaRPr lang="en-US" sz="1800" dirty="0"/>
           </a:p>
         </p:txBody>
       </p:sp>
@@ -8861,7 +8883,7 @@
         </p:nvSpPr>
         <p:spPr>
           <a:xfrm>
-            <a:off x="457200" y="1647825"/>
+            <a:off x="457200" y="1222177"/>
             <a:ext cx="8394192" cy="266700"/>
           </a:xfrm>
           <a:prstGeom prst="rect">
@@ -8876,7 +8898,7 @@
           <a:p>
             <a:pPr algn="l" indent="0" marL="0">
               <a:spcAft>
-                <a:spcPts val="1000"/>
+                <a:spcPts val="500"/>
               </a:spcAft>
               <a:buNone/>
             </a:pPr>
@@ -8903,7 +8925,7 @@
         </p:nvSpPr>
         <p:spPr>
           <a:xfrm>
-            <a:off x="457200" y="2041475"/>
+            <a:off x="457200" y="1552277"/>
             <a:ext cx="8394192" cy="266700"/>
           </a:xfrm>
           <a:prstGeom prst="rect">
@@ -8918,7 +8940,7 @@
           <a:p>
             <a:pPr algn="l" indent="0" marL="0">
               <a:spcAft>
-                <a:spcPts val="1000"/>
+                <a:spcPts val="500"/>
               </a:spcAft>
               <a:buNone/>
             </a:pPr>
@@ -8945,12 +8967,12 @@
         </p:nvSpPr>
         <p:spPr>
           <a:xfrm>
-            <a:off x="457200" y="2435126"/>
-            <a:ext cx="8229600" cy="1384102"/>
+            <a:off x="457200" y="1895177"/>
+            <a:ext cx="8229600" cy="1155353"/>
           </a:xfrm>
           <a:prstGeom prst="roundRect">
             <a:avLst>
-              <a:gd name="adj" fmla="val 5505"/>
+              <a:gd name="adj" fmla="val 6595"/>
             </a:avLst>
           </a:prstGeom>
           <a:solidFill>
@@ -8977,7 +8999,7 @@
         </p:nvSpPr>
         <p:spPr>
           <a:xfrm>
-            <a:off x="685800" y="2612827"/>
+            <a:off x="685800" y="2022128"/>
             <a:ext cx="7927848" cy="266700"/>
           </a:xfrm>
           <a:prstGeom prst="rect">
@@ -8992,7 +9014,7 @@
           <a:p>
             <a:pPr algn="l" indent="0" marL="0">
               <a:spcAft>
-                <a:spcPts val="600"/>
+                <a:spcPts val="400"/>
               </a:spcAft>
               <a:buNone/>
             </a:pPr>
@@ -9019,8 +9041,8 @@
         </p:nvSpPr>
         <p:spPr>
           <a:xfrm>
-            <a:off x="685800" y="2955727"/>
-            <a:ext cx="7927848" cy="266700"/>
+            <a:off x="685800" y="2339578"/>
+            <a:ext cx="7772400" cy="558701"/>
           </a:xfrm>
           <a:prstGeom prst="rect">
             <a:avLst/>
@@ -9029,14 +9051,15 @@
           <a:ln/>
         </p:spPr>
         <p:txBody>
-          <a:bodyPr wrap="square" lIns="0" tIns="0" rIns="0" bIns="0" rtlCol="0" anchor="t"/>
-          <a:lstStyle/>
-          <a:p>
-            <a:pPr algn="l" indent="0" marL="0">
-              <a:spcAft>
-                <a:spcPts val="600"/>
-              </a:spcAft>
-              <a:buNone/>
+          <a:bodyPr wrap="square" lIns="127000" tIns="0" rIns="0" bIns="0" rtlCol="0" anchor="t"/>
+          <a:lstStyle/>
+          <a:p>
+            <a:pPr algn="l" marL="127000" indent="-127000">
+              <a:spcAft>
+                <a:spcPts val="200"/>
+              </a:spcAft>
+              <a:buSzPct val="100000"/>
+              <a:buChar char="•"/>
             </a:pPr>
             <a:r>
               <a:rPr lang="en-US" sz="1800" dirty="0">
@@ -9047,10 +9070,31 @@
                 <a:ea typeface="Arial" pitchFamily="34" charset="-122"/>
                 <a:cs typeface="Arial" pitchFamily="34" charset="-120"/>
               </a:rPr>
-              <a:t>1. Ask your partner</a:t>
+              <a:t>Ask your partner</a:t>
             </a:r>
             <a:endParaRPr lang="en-US" sz="1800" dirty="0"/>
           </a:p>
+          <a:p>
+            <a:pPr algn="l" marL="127000" indent="-127000">
+              <a:spcAft>
+                <a:spcPts val="200"/>
+              </a:spcAft>
+              <a:buSzPct val="100000"/>
+              <a:buChar char="•"/>
+            </a:pPr>
+            <a:r>
+              <a:rPr lang="en-US" sz="1800" dirty="0">
+                <a:solidFill>
+                  <a:srgbClr val="2C2C2C"/>
+                </a:solidFill>
+                <a:latin typeface="Arial" pitchFamily="34" charset="0"/>
+                <a:ea typeface="Arial" pitchFamily="34" charset="-122"/>
+                <a:cs typeface="Arial" pitchFamily="34" charset="-120"/>
+              </a:rPr>
+              <a:t>Raise your hand</a:t>
+            </a:r>
+            <a:endParaRPr lang="en-US" sz="1800" dirty="0"/>
+          </a:p>
         </p:txBody>
       </p:sp>
       <p:sp>
@@ -9061,50 +9105,8 @@
         </p:nvSpPr>
         <p:spPr>
           <a:xfrm>
-            <a:off x="685800" y="3298627"/>
-            <a:ext cx="7927848" cy="266700"/>
-          </a:xfrm>
-          <a:prstGeom prst="rect">
-            <a:avLst/>
-          </a:prstGeom>
-          <a:noFill/>
-          <a:ln/>
-        </p:spPr>
-        <p:txBody>
-          <a:bodyPr wrap="square" lIns="0" tIns="0" rIns="0" bIns="0" rtlCol="0" anchor="t"/>
-          <a:lstStyle/>
-          <a:p>
-            <a:pPr algn="l" indent="0" marL="0">
-              <a:spcAft>
-                <a:spcPts val="600"/>
-              </a:spcAft>
-              <a:buNone/>
-            </a:pPr>
-            <a:r>
-              <a:rPr lang="en-US" sz="1800" dirty="0">
-                <a:solidFill>
-                  <a:srgbClr val="2C2C2C"/>
-                </a:solidFill>
-                <a:latin typeface="Arial" pitchFamily="34" charset="0"/>
-                <a:ea typeface="Arial" pitchFamily="34" charset="-122"/>
-                <a:cs typeface="Arial" pitchFamily="34" charset="-120"/>
-              </a:rPr>
-              <a:t>2. Raise your hand</a:t>
-            </a:r>
-            <a:endParaRPr lang="en-US" sz="1800" dirty="0"/>
-          </a:p>
-        </p:txBody>
-      </p:sp>
-      <p:sp>
-        <p:nvSpPr>
-          <p:cNvPr id="11" name="Text 9"/>
-          <p:cNvSpPr/>
-          <p:nvPr/>
-        </p:nvSpPr>
-        <p:spPr>
-          <a:xfrm>
-            <a:off x="457200" y="3946178"/>
-            <a:ext cx="8229600" cy="838200"/>
+            <a:off x="457200" y="3126730"/>
+            <a:ext cx="8229600" cy="679252"/>
           </a:xfrm>
           <a:prstGeom prst="rect">
             <a:avLst/>
@@ -9127,14 +9129,14 @@
       </p:sp>
       <p:sp>
         <p:nvSpPr>
-          <p:cNvPr id="12" name="Shape 10"/>
-          <p:cNvSpPr/>
-          <p:nvPr/>
-        </p:nvSpPr>
-        <p:spPr>
-          <a:xfrm>
-            <a:off x="495300" y="3946178"/>
-            <a:ext cx="0" cy="838200"/>
+          <p:cNvPr id="11" name="Shape 9"/>
+          <p:cNvSpPr/>
+          <p:nvPr/>
+        </p:nvSpPr>
+        <p:spPr>
+          <a:xfrm>
+            <a:off x="495300" y="3126730"/>
+            <a:ext cx="0" cy="679252"/>
           </a:xfrm>
           <a:prstGeom prst="line">
             <a:avLst/>
@@ -9150,14 +9152,14 @@
       </p:sp>
       <p:sp>
         <p:nvSpPr>
-          <p:cNvPr id="13" name="Text 11"/>
-          <p:cNvSpPr/>
-          <p:nvPr/>
-        </p:nvSpPr>
-        <p:spPr>
-          <a:xfrm>
-            <a:off x="736550" y="4098578"/>
-            <a:ext cx="7902041" cy="533400"/>
+          <p:cNvPr id="12" name="Text 10"/>
+          <p:cNvSpPr/>
+          <p:nvPr/>
+        </p:nvSpPr>
+        <p:spPr>
+          <a:xfrm>
+            <a:off x="736550" y="3228231"/>
+            <a:ext cx="7902041" cy="476250"/>
           </a:xfrm>
           <a:prstGeom prst="rect">
             <a:avLst/>
@@ -9173,7 +9175,7 @@
               <a:buNone/>
             </a:pPr>
             <a:r>
-              <a:rPr lang="en-US" sz="1800" b="1" dirty="0">
+              <a:rPr lang="en-US" sz="1600" b="1" dirty="0">
                 <a:solidFill>
                   <a:srgbClr val="1E5128"/>
                 </a:solidFill>
@@ -9183,7 +9185,7 @@
               </a:rPr>
               <a:t>You are reading workflows, not writing them — so nothing can break. Explore freely!</a:t>
             </a:r>
-            <a:endParaRPr lang="en-US" sz="1800" dirty="0"/>
+            <a:endParaRPr lang="en-US" sz="1600" dirty="0"/>
           </a:p>
         </p:txBody>
       </p:sp>
@@ -9228,7 +9230,7 @@
         <p:spPr>
           <a:xfrm>
             <a:off x="0" y="0"/>
-            <a:ext cx="9144000" cy="815876"/>
+            <a:ext cx="9144000" cy="726877"/>
           </a:xfrm>
           <a:prstGeom prst="rect">
             <a:avLst/>
@@ -9257,8 +9259,8 @@
         </p:nvSpPr>
         <p:spPr>
           <a:xfrm>
-            <a:off x="457200" y="203150"/>
-            <a:ext cx="8394192" cy="409575"/>
+            <a:off x="457200" y="177701"/>
+            <a:ext cx="8394192" cy="371475"/>
           </a:xfrm>
           <a:prstGeom prst="rect">
             <a:avLst/>
@@ -9274,7 +9276,7 @@
               <a:buNone/>
             </a:pPr>
             <a:r>
-              <a:rPr lang="en-US" sz="2800" b="1" dirty="0">
+              <a:rPr lang="en-US" sz="2600" b="1" dirty="0">
                 <a:solidFill>
                   <a:srgbClr val="FFFFFF"/>
                 </a:solidFill>
@@ -9284,7 +9286,7 @@
               </a:rPr>
               <a:t>Guided Practice Steps</a:t>
             </a:r>
-            <a:endParaRPr lang="en-US" sz="2800" dirty="0"/>
+            <a:endParaRPr lang="en-US" sz="2600" dirty="0"/>
           </a:p>
         </p:txBody>
       </p:sp>
@@ -9296,8 +9298,8 @@
         </p:nvSpPr>
         <p:spPr>
           <a:xfrm>
-            <a:off x="457200" y="968276"/>
-            <a:ext cx="8394192" cy="295275"/>
+            <a:off x="457200" y="853827"/>
+            <a:ext cx="8394192" cy="266700"/>
           </a:xfrm>
           <a:prstGeom prst="rect">
             <a:avLst/>
@@ -9311,12 +9313,12 @@
           <a:p>
             <a:pPr algn="l" indent="0" marL="0">
               <a:spcAft>
-                <a:spcPts val="600"/>
-              </a:spcAft>
-              <a:buNone/>
-            </a:pPr>
-            <a:r>
-              <a:rPr lang="en-US" sz="2000" b="1" dirty="0">
+                <a:spcPts val="400"/>
+              </a:spcAft>
+              <a:buNone/>
+            </a:pPr>
+            <a:r>
+              <a:rPr lang="en-US" sz="1800" b="1" dirty="0">
                 <a:solidFill>
                   <a:srgbClr val="1E5128"/>
                 </a:solidFill>
@@ -9326,7 +9328,7 @@
               </a:rPr>
               <a:t>Follow along with me:</a:t>
             </a:r>
-            <a:endParaRPr lang="en-US" sz="2000" dirty="0"/>
+            <a:endParaRPr lang="en-US" sz="1800" dirty="0"/>
           </a:p>
         </p:txBody>
       </p:sp>
@@ -9338,12 +9340,12 @@
         </p:nvSpPr>
         <p:spPr>
           <a:xfrm>
-            <a:off x="457200" y="1339751"/>
-            <a:ext cx="8229600" cy="2054126"/>
+            <a:off x="457200" y="1171277"/>
+            <a:ext cx="8229600" cy="2046982"/>
           </a:xfrm>
           <a:prstGeom prst="roundRect">
             <a:avLst>
-              <a:gd name="adj" fmla="val 3710"/>
+              <a:gd name="adj" fmla="val 3723"/>
             </a:avLst>
           </a:prstGeom>
           <a:solidFill>
@@ -9370,8 +9372,8 @@
         </p:nvSpPr>
         <p:spPr>
           <a:xfrm>
-            <a:off x="660350" y="1466701"/>
-            <a:ext cx="7823299" cy="1762125"/>
+            <a:off x="660350" y="1272778"/>
+            <a:ext cx="7823299" cy="1818680"/>
           </a:xfrm>
           <a:prstGeom prst="rect">
             <a:avLst/>
@@ -9385,13 +9387,13 @@
           <a:p>
             <a:pPr algn="l" marL="127000" indent="-127000">
               <a:spcAft>
-                <a:spcPts val="300"/>
+                <a:spcPts val="200"/>
               </a:spcAft>
               <a:buSzPct val="100000"/>
               <a:buChar char="•"/>
             </a:pPr>
             <a:r>
-              <a:rPr lang="en-US" sz="1500" dirty="0">
+              <a:rPr lang="en-US" sz="1600" dirty="0">
                 <a:solidFill>
                   <a:srgbClr val="2C2C2C"/>
                 </a:solidFill>
@@ -9403,12 +9405,12 @@
             </a:r>
             <a:pPr algn="l" indent="0" marL="0">
               <a:spcAft>
-                <a:spcPts val="300"/>
-              </a:spcAft>
-              <a:buNone/>
-            </a:pPr>
-            <a:r>
-              <a:rPr lang="en-US" sz="1500" b="1" dirty="0">
+                <a:spcPts val="200"/>
+              </a:spcAft>
+              <a:buNone/>
+            </a:pPr>
+            <a:r>
+              <a:rPr lang="en-US" sz="1600" b="1" dirty="0">
                 <a:solidFill>
                   <a:srgbClr val="2C2C2C"/>
                 </a:solidFill>
@@ -9420,12 +9422,12 @@
             </a:r>
             <a:pPr algn="l" indent="0" marL="0">
               <a:spcAft>
-                <a:spcPts val="300"/>
-              </a:spcAft>
-              <a:buNone/>
-            </a:pPr>
-            <a:r>
-              <a:rPr lang="en-US" sz="1500" dirty="0">
+                <a:spcPts val="200"/>
+              </a:spcAft>
+              <a:buNone/>
+            </a:pPr>
+            <a:r>
+              <a:rPr lang="en-US" sz="1600" dirty="0">
                 <a:solidFill>
                   <a:srgbClr val="2C2C2C"/>
                 </a:solidFill>
@@ -9435,18 +9437,18 @@
               </a:rPr>
               <a:t> (URL on your handout)</a:t>
             </a:r>
-            <a:endParaRPr lang="en-US" sz="1500" dirty="0"/>
+            <a:endParaRPr lang="en-US" sz="1600" dirty="0"/>
           </a:p>
           <a:p>
             <a:pPr algn="l" marL="127000" indent="-127000">
               <a:spcAft>
-                <a:spcPts val="300"/>
+                <a:spcPts val="200"/>
               </a:spcAft>
               <a:buSzPct val="100000"/>
               <a:buChar char="•"/>
             </a:pPr>
             <a:r>
-              <a:rPr lang="en-US" sz="1500" dirty="0">
+              <a:rPr lang="en-US" sz="1600" dirty="0">
                 <a:solidFill>
                   <a:srgbClr val="2C2C2C"/>
                 </a:solidFill>
@@ -9458,12 +9460,12 @@
             </a:r>
             <a:pPr algn="l" indent="0" marL="0">
               <a:spcAft>
-                <a:spcPts val="300"/>
-              </a:spcAft>
-              <a:buNone/>
-            </a:pPr>
-            <a:r>
-              <a:rPr lang="en-US" sz="1500" b="1" dirty="0">
+                <a:spcPts val="200"/>
+              </a:spcAft>
+              <a:buNone/>
+            </a:pPr>
+            <a:r>
+              <a:rPr lang="en-US" sz="1600" b="1" dirty="0">
                 <a:solidFill>
                   <a:srgbClr val="2C2C2C"/>
                 </a:solidFill>
@@ -9475,12 +9477,12 @@
             </a:r>
             <a:pPr algn="l" indent="0" marL="0">
               <a:spcAft>
-                <a:spcPts val="300"/>
-              </a:spcAft>
-              <a:buNone/>
-            </a:pPr>
-            <a:r>
-              <a:rPr lang="en-US" sz="1500" dirty="0">
+                <a:spcPts val="200"/>
+              </a:spcAft>
+              <a:buNone/>
+            </a:pPr>
+            <a:r>
+              <a:rPr lang="en-US" sz="1600" dirty="0">
                 <a:solidFill>
                   <a:srgbClr val="2C2C2C"/>
                 </a:solidFill>
@@ -9490,18 +9492,18 @@
               </a:rPr>
               <a:t> tab</a:t>
             </a:r>
-            <a:endParaRPr lang="en-US" sz="1500" dirty="0"/>
+            <a:endParaRPr lang="en-US" sz="1600" dirty="0"/>
           </a:p>
           <a:p>
             <a:pPr algn="l" marL="127000" indent="-127000">
               <a:spcAft>
-                <a:spcPts val="300"/>
+                <a:spcPts val="200"/>
               </a:spcAft>
               <a:buSzPct val="100000"/>
               <a:buChar char="•"/>
             </a:pPr>
             <a:r>
-              <a:rPr lang="en-US" sz="1500" dirty="0">
+              <a:rPr lang="en-US" sz="1600" dirty="0">
                 <a:solidFill>
                   <a:srgbClr val="2C2C2C"/>
                 </a:solidFill>
@@ -9511,18 +9513,18 @@
               </a:rPr>
               <a:t>Find a workflow run with a green checkmark and click it</a:t>
             </a:r>
-            <a:endParaRPr lang="en-US" sz="1500" dirty="0"/>
+            <a:endParaRPr lang="en-US" sz="1600" dirty="0"/>
           </a:p>
           <a:p>
             <a:pPr algn="l" marL="127000" indent="-127000">
               <a:spcAft>
-                <a:spcPts val="300"/>
+                <a:spcPts val="200"/>
               </a:spcAft>
               <a:buSzPct val="100000"/>
               <a:buChar char="•"/>
             </a:pPr>
             <a:r>
-              <a:rPr lang="en-US" sz="1500" dirty="0">
+              <a:rPr lang="en-US" sz="1600" dirty="0">
                 <a:solidFill>
                   <a:srgbClr val="2C2C2C"/>
                 </a:solidFill>
@@ -9532,18 +9534,18 @@
               </a:rPr>
               <a:t>Answer: What triggered this workflow? When did it run?</a:t>
             </a:r>
-            <a:endParaRPr lang="en-US" sz="1500" dirty="0"/>
+            <a:endParaRPr lang="en-US" sz="1600" dirty="0"/>
           </a:p>
           <a:p>
             <a:pPr algn="l" marL="127000" indent="-127000">
               <a:spcAft>
-                <a:spcPts val="300"/>
+                <a:spcPts val="200"/>
               </a:spcAft>
               <a:buSzPct val="100000"/>
               <a:buChar char="•"/>
             </a:pPr>
             <a:r>
-              <a:rPr lang="en-US" sz="1500" dirty="0">
+              <a:rPr lang="en-US" sz="1600" dirty="0">
                 <a:solidFill>
                   <a:srgbClr val="2C2C2C"/>
                 </a:solidFill>
@@ -9553,18 +9555,18 @@
               </a:rPr>
               <a:t>Find a run with a red X — what does that tell you?</a:t>
             </a:r>
-            <a:endParaRPr lang="en-US" sz="1500" dirty="0"/>
+            <a:endParaRPr lang="en-US" sz="1600" dirty="0"/>
           </a:p>
           <a:p>
             <a:pPr algn="l" marL="127000" indent="-127000">
               <a:spcAft>
-                <a:spcPts val="300"/>
+                <a:spcPts val="200"/>
               </a:spcAft>
               <a:buSzPct val="100000"/>
               <a:buChar char="•"/>
             </a:pPr>
             <a:r>
-              <a:rPr lang="en-US" sz="1500" dirty="0">
+              <a:rPr lang="en-US" sz="1600" dirty="0">
                 <a:solidFill>
                   <a:srgbClr val="2C2C2C"/>
                 </a:solidFill>
@@ -9576,12 +9578,12 @@
             </a:r>
             <a:pPr algn="l" indent="0" marL="0">
               <a:spcAft>
-                <a:spcPts val="300"/>
-              </a:spcAft>
-              <a:buNone/>
-            </a:pPr>
-            <a:r>
-              <a:rPr lang="en-US" sz="1500" b="1" dirty="0">
+                <a:spcPts val="200"/>
+              </a:spcAft>
+              <a:buNone/>
+            </a:pPr>
+            <a:r>
+              <a:rPr lang="en-US" sz="1600" b="1" dirty="0">
                 <a:solidFill>
                   <a:srgbClr val="2C2C2C"/>
                 </a:solidFill>
@@ -9593,12 +9595,12 @@
             </a:r>
             <a:pPr algn="l" indent="0" marL="0">
               <a:spcAft>
-                <a:spcPts val="300"/>
-              </a:spcAft>
-              <a:buNone/>
-            </a:pPr>
-            <a:r>
-              <a:rPr lang="en-US" sz="1500" dirty="0">
+                <a:spcPts val="200"/>
+              </a:spcAft>
+              <a:buNone/>
+            </a:pPr>
+            <a:r>
+              <a:rPr lang="en-US" sz="1600" dirty="0">
                 <a:solidFill>
                   <a:srgbClr val="2C2C2C"/>
                 </a:solidFill>
@@ -9608,18 +9610,18 @@
               </a:rPr>
               <a:t> in the code</a:t>
             </a:r>
-            <a:endParaRPr lang="en-US" sz="1500" dirty="0"/>
+            <a:endParaRPr lang="en-US" sz="1600" dirty="0"/>
           </a:p>
           <a:p>
             <a:pPr algn="l" marL="127000" indent="-127000">
               <a:spcAft>
-                <a:spcPts val="300"/>
+                <a:spcPts val="200"/>
               </a:spcAft>
               <a:buSzPct val="100000"/>
               <a:buChar char="•"/>
             </a:pPr>
             <a:r>
-              <a:rPr lang="en-US" sz="1500" dirty="0">
+              <a:rPr lang="en-US" sz="1600" dirty="0">
                 <a:solidFill>
                   <a:srgbClr val="2C2C2C"/>
                 </a:solidFill>
@@ -9631,12 +9633,12 @@
             </a:r>
             <a:pPr algn="l" indent="0" marL="0">
               <a:spcAft>
-                <a:spcPts val="300"/>
-              </a:spcAft>
-              <a:buNone/>
-            </a:pPr>
-            <a:r>
-              <a:rPr lang="en-US" sz="1500" b="1" dirty="0">
+                <a:spcPts val="200"/>
+              </a:spcAft>
+              <a:buNone/>
+            </a:pPr>
+            <a:r>
+              <a:rPr lang="en-US" sz="1600" b="1" dirty="0">
                 <a:solidFill>
                   <a:srgbClr val="2C2C2C"/>
                 </a:solidFill>
@@ -9648,12 +9650,12 @@
             </a:r>
             <a:pPr algn="l" indent="0" marL="0">
               <a:spcAft>
-                <a:spcPts val="300"/>
-              </a:spcAft>
-              <a:buNone/>
-            </a:pPr>
-            <a:r>
-              <a:rPr lang="en-US" sz="1500" dirty="0">
+                <a:spcPts val="200"/>
+              </a:spcAft>
+              <a:buNone/>
+            </a:pPr>
+            <a:r>
+              <a:rPr lang="en-US" sz="1600" dirty="0">
                 <a:solidFill>
                   <a:srgbClr val="2C2C2C"/>
                 </a:solidFill>
@@ -9663,7 +9665,7 @@
               </a:rPr>
               <a:t> file — spot the name, trigger, job, and steps</a:t>
             </a:r>
-            <a:endParaRPr lang="en-US" sz="1500" dirty="0"/>
+            <a:endParaRPr lang="en-US" sz="1600" dirty="0"/>
           </a:p>
         </p:txBody>
       </p:sp>
@@ -9675,12 +9677,12 @@
         </p:nvSpPr>
         <p:spPr>
           <a:xfrm>
-            <a:off x="457200" y="3470077"/>
-            <a:ext cx="8229600" cy="730151"/>
+            <a:off x="457200" y="3269010"/>
+            <a:ext cx="8229600" cy="736402"/>
           </a:xfrm>
           <a:prstGeom prst="roundRect">
             <a:avLst>
-              <a:gd name="adj" fmla="val 10436"/>
+              <a:gd name="adj" fmla="val 10348"/>
             </a:avLst>
           </a:prstGeom>
           <a:solidFill>
@@ -9707,8 +9709,8 @@
         </p:nvSpPr>
         <p:spPr>
           <a:xfrm>
-            <a:off x="660350" y="3597027"/>
-            <a:ext cx="7979765" cy="476250"/>
+            <a:off x="660350" y="3370511"/>
+            <a:ext cx="7979765" cy="533400"/>
           </a:xfrm>
           <a:prstGeom prst="rect">
             <a:avLst/>
@@ -9724,7 +9726,7 @@
               <a:buNone/>
             </a:pPr>
             <a:r>
-              <a:rPr lang="en-US" sz="1600" b="1" dirty="0">
+              <a:rPr lang="en-US" sz="1800" b="1" dirty="0">
                 <a:solidFill>
                   <a:srgbClr val="FFFFFF"/>
                 </a:solidFill>
@@ -9734,7 +9736,7 @@
               </a:rPr>
               <a:t>Checkpoint: Raise your hand when you can point to the name, trigger, and steps in the YAML file.</a:t>
             </a:r>
-            <a:endParaRPr lang="en-US" sz="1600" dirty="0"/>
+            <a:endParaRPr lang="en-US" sz="1800" dirty="0"/>
           </a:p>
         </p:txBody>
       </p:sp>
@@ -10128,7 +10130,7 @@
         </p:nvSpPr>
         <p:spPr>
           <a:xfrm>
-            <a:off x="3650849" y="1349425"/>
+            <a:off x="3650849" y="1378000"/>
             <a:ext cx="1842302" cy="581025"/>
           </a:xfrm>
           <a:prstGeom prst="rect">
@@ -10167,7 +10169,7 @@
         </p:nvSpPr>
         <p:spPr>
           <a:xfrm>
-            <a:off x="3810000" y="2235250"/>
+            <a:off x="3810000" y="2263825"/>
             <a:ext cx="1524000" cy="50750"/>
           </a:xfrm>
           <a:prstGeom prst="rect">
@@ -10197,7 +10199,7 @@
         </p:nvSpPr>
         <p:spPr>
           <a:xfrm>
-            <a:off x="3684855" y="2793950"/>
+            <a:off x="3684855" y="2822525"/>
             <a:ext cx="1774141" cy="409575"/>
           </a:xfrm>
           <a:prstGeom prst="rect">
@@ -10239,8 +10241,8 @@
         </p:nvSpPr>
         <p:spPr>
           <a:xfrm>
-            <a:off x="426669" y="3203525"/>
-            <a:ext cx="8290661" cy="590550"/>
+            <a:off x="426669" y="3232100"/>
+            <a:ext cx="8290661" cy="533400"/>
           </a:xfrm>
           <a:prstGeom prst="rect">
             <a:avLst/>
@@ -10256,7 +10258,7 @@
               <a:buNone/>
             </a:pPr>
             <a:r>
-              <a:rPr lang="en-US" sz="2000" dirty="0">
+              <a:rPr lang="en-US" sz="1800" dirty="0">
                 <a:solidFill>
                   <a:srgbClr val="F4F1DE"/>
                 </a:solidFill>
@@ -10266,7 +10268,7 @@
               </a:rPr>
               <a:t>When we come back, you will evaluate workflows on your own and match farm tasks to automation types!</a:t>
             </a:r>
-            <a:endParaRPr lang="en-US" sz="2000" dirty="0"/>
+            <a:endParaRPr lang="en-US" sz="1800" dirty="0"/>
           </a:p>
         </p:txBody>
       </p:sp>
@@ -10422,11 +10424,11 @@
         <p:spPr>
           <a:xfrm>
             <a:off x="457200" y="1552426"/>
-            <a:ext cx="8229600" cy="860227"/>
+            <a:ext cx="8229600" cy="945952"/>
           </a:xfrm>
           <a:prstGeom prst="roundRect">
             <a:avLst>
-              <a:gd name="adj" fmla="val 8858"/>
+              <a:gd name="adj" fmla="val 8055"/>
             </a:avLst>
           </a:prstGeom>
           <a:solidFill>
@@ -10454,7 +10456,7 @@
         <p:spPr>
           <a:xfrm>
             <a:off x="609600" y="1641277"/>
-            <a:ext cx="8083296" cy="238125"/>
+            <a:ext cx="8083296" cy="266700"/>
           </a:xfrm>
           <a:prstGeom prst="rect">
             <a:avLst/>
@@ -10473,7 +10475,7 @@
               <a:buNone/>
             </a:pPr>
             <a:r>
-              <a:rPr lang="en-US" sz="1600" b="1" dirty="0">
+              <a:rPr lang="en-US" sz="1800" b="1" dirty="0">
                 <a:solidFill>
                   <a:srgbClr val="1E5128"/>
                 </a:solidFill>
@@ -10483,63 +10485,63 @@
               </a:rPr>
               <a:t>Task 1: Explore 3 Pre-Built Workflows (15 min)</a:t>
             </a:r>
+            <a:endParaRPr lang="en-US" sz="1800" dirty="0"/>
+          </a:p>
+        </p:txBody>
+      </p:sp>
+      <p:sp>
+        <p:nvSpPr>
+          <p:cNvPr id="7" name="Text 5"/>
+          <p:cNvSpPr/>
+          <p:nvPr/>
+        </p:nvSpPr>
+        <p:spPr>
+          <a:xfrm>
+            <a:off x="609600" y="1933277"/>
+            <a:ext cx="8083296" cy="476250"/>
+          </a:xfrm>
+          <a:prstGeom prst="rect">
+            <a:avLst/>
+          </a:prstGeom>
+          <a:noFill/>
+          <a:ln/>
+        </p:spPr>
+        <p:txBody>
+          <a:bodyPr wrap="square" lIns="0" tIns="0" rIns="0" bIns="0" rtlCol="0" anchor="t"/>
+          <a:lstStyle/>
+          <a:p>
+            <a:pPr algn="l" indent="0" marL="0">
+              <a:buNone/>
+            </a:pPr>
+            <a:r>
+              <a:rPr lang="en-US" sz="1600" dirty="0">
+                <a:solidFill>
+                  <a:srgbClr val="2C2C2C"/>
+                </a:solidFill>
+                <a:latin typeface="Arial" pitchFamily="34" charset="0"/>
+                <a:ea typeface="Arial" pitchFamily="34" charset="-122"/>
+                <a:cs typeface="Arial" pitchFamily="34" charset="-120"/>
+              </a:rPr>
+              <a:t>What is each workflow called? What triggers each one? Did it succeed or fail? Can you identify the steps?</a:t>
+            </a:r>
             <a:endParaRPr lang="en-US" sz="1600" dirty="0"/>
           </a:p>
         </p:txBody>
       </p:sp>
       <p:sp>
         <p:nvSpPr>
-          <p:cNvPr id="7" name="Text 5"/>
-          <p:cNvSpPr/>
-          <p:nvPr/>
-        </p:nvSpPr>
-        <p:spPr>
-          <a:xfrm>
-            <a:off x="609600" y="1904702"/>
-            <a:ext cx="8083296" cy="419100"/>
-          </a:xfrm>
-          <a:prstGeom prst="rect">
-            <a:avLst/>
-          </a:prstGeom>
-          <a:noFill/>
-          <a:ln/>
-        </p:spPr>
-        <p:txBody>
-          <a:bodyPr wrap="square" lIns="0" tIns="0" rIns="0" bIns="0" rtlCol="0" anchor="t"/>
-          <a:lstStyle/>
-          <a:p>
-            <a:pPr algn="l" indent="0" marL="0">
-              <a:buNone/>
-            </a:pPr>
-            <a:r>
-              <a:rPr lang="en-US" sz="1400" dirty="0">
-                <a:solidFill>
-                  <a:srgbClr val="2C2C2C"/>
-                </a:solidFill>
-                <a:latin typeface="Arial" pitchFamily="34" charset="0"/>
-                <a:ea typeface="Arial" pitchFamily="34" charset="-122"/>
-                <a:cs typeface="Arial" pitchFamily="34" charset="-120"/>
-              </a:rPr>
-              <a:t>What is each workflow called? What triggers each one? Did it succeed or fail? Can you identify the steps?</a:t>
-            </a:r>
-            <a:endParaRPr lang="en-US" sz="1400" dirty="0"/>
-          </a:p>
-        </p:txBody>
-      </p:sp>
-      <p:sp>
-        <p:nvSpPr>
           <p:cNvPr id="8" name="Text 6"/>
           <p:cNvSpPr/>
           <p:nvPr/>
         </p:nvSpPr>
         <p:spPr>
           <a:xfrm>
-            <a:off x="457200" y="2476054"/>
-            <a:ext cx="8229600" cy="860227"/>
+            <a:off x="457200" y="2561779"/>
+            <a:ext cx="8229600" cy="945952"/>
           </a:xfrm>
           <a:prstGeom prst="roundRect">
             <a:avLst>
-              <a:gd name="adj" fmla="val 8858"/>
+              <a:gd name="adj" fmla="val 8055"/>
             </a:avLst>
           </a:prstGeom>
           <a:solidFill>
@@ -10566,8 +10568,8 @@
         </p:nvSpPr>
         <p:spPr>
           <a:xfrm>
-            <a:off x="609600" y="2564904"/>
-            <a:ext cx="8083296" cy="238125"/>
+            <a:off x="609600" y="2650629"/>
+            <a:ext cx="8083296" cy="266700"/>
           </a:xfrm>
           <a:prstGeom prst="rect">
             <a:avLst/>
@@ -10586,7 +10588,7 @@
               <a:buNone/>
             </a:pPr>
             <a:r>
-              <a:rPr lang="en-US" sz="1600" b="1" dirty="0">
+              <a:rPr lang="en-US" sz="1800" b="1" dirty="0">
                 <a:solidFill>
                   <a:srgbClr val="1E5128"/>
                 </a:solidFill>
@@ -10596,63 +10598,63 @@
               </a:rPr>
               <a:t>Task 2: Match Farm Tasks to Automation (10 min)</a:t>
             </a:r>
+            <a:endParaRPr lang="en-US" sz="1800" dirty="0"/>
+          </a:p>
+        </p:txBody>
+      </p:sp>
+      <p:sp>
+        <p:nvSpPr>
+          <p:cNvPr id="10" name="Text 8"/>
+          <p:cNvSpPr/>
+          <p:nvPr/>
+        </p:nvSpPr>
+        <p:spPr>
+          <a:xfrm>
+            <a:off x="609600" y="2942630"/>
+            <a:ext cx="8083296" cy="476250"/>
+          </a:xfrm>
+          <a:prstGeom prst="rect">
+            <a:avLst/>
+          </a:prstGeom>
+          <a:noFill/>
+          <a:ln/>
+        </p:spPr>
+        <p:txBody>
+          <a:bodyPr wrap="square" lIns="0" tIns="0" rIns="0" bIns="0" rtlCol="0" anchor="t"/>
+          <a:lstStyle/>
+          <a:p>
+            <a:pPr algn="l" indent="0" marL="0">
+              <a:buNone/>
+            </a:pPr>
+            <a:r>
+              <a:rPr lang="en-US" sz="1600" dirty="0">
+                <a:solidFill>
+                  <a:srgbClr val="2C2C2C"/>
+                </a:solidFill>
+                <a:latin typeface="Arial" pitchFamily="34" charset="0"/>
+                <a:ea typeface="Arial" pitchFamily="34" charset="-122"/>
+                <a:cs typeface="Arial" pitchFamily="34" charset="-120"/>
+              </a:rPr>
+              <a:t>Choose your farm scenario (crops, equipment, or livestock). Identify 3 tasks that could be automated. For each, decide: schedule, event, or manual trigger?</a:t>
+            </a:r>
             <a:endParaRPr lang="en-US" sz="1600" dirty="0"/>
           </a:p>
         </p:txBody>
       </p:sp>
       <p:sp>
         <p:nvSpPr>
-          <p:cNvPr id="10" name="Text 8"/>
-          <p:cNvSpPr/>
-          <p:nvPr/>
-        </p:nvSpPr>
-        <p:spPr>
-          <a:xfrm>
-            <a:off x="609600" y="2828330"/>
-            <a:ext cx="8083296" cy="419100"/>
-          </a:xfrm>
-          <a:prstGeom prst="rect">
-            <a:avLst/>
-          </a:prstGeom>
-          <a:noFill/>
-          <a:ln/>
-        </p:spPr>
-        <p:txBody>
-          <a:bodyPr wrap="square" lIns="0" tIns="0" rIns="0" bIns="0" rtlCol="0" anchor="t"/>
-          <a:lstStyle/>
-          <a:p>
-            <a:pPr algn="l" indent="0" marL="0">
-              <a:buNone/>
-            </a:pPr>
-            <a:r>
-              <a:rPr lang="en-US" sz="1400" dirty="0">
-                <a:solidFill>
-                  <a:srgbClr val="2C2C2C"/>
-                </a:solidFill>
-                <a:latin typeface="Arial" pitchFamily="34" charset="0"/>
-                <a:ea typeface="Arial" pitchFamily="34" charset="-122"/>
-                <a:cs typeface="Arial" pitchFamily="34" charset="-120"/>
-              </a:rPr>
-              <a:t>Choose your farm scenario (crops, equipment, or livestock). Identify 3 tasks that could be automated. For each, decide: schedule, event, or manual trigger?</a:t>
-            </a:r>
-            <a:endParaRPr lang="en-US" sz="1400" dirty="0"/>
-          </a:p>
-        </p:txBody>
-      </p:sp>
-      <p:sp>
-        <p:nvSpPr>
           <p:cNvPr id="11" name="Text 9"/>
           <p:cNvSpPr/>
           <p:nvPr/>
         </p:nvSpPr>
         <p:spPr>
           <a:xfrm>
-            <a:off x="457200" y="3399681"/>
-            <a:ext cx="8229600" cy="650677"/>
+            <a:off x="457200" y="3571131"/>
+            <a:ext cx="8229600" cy="707827"/>
           </a:xfrm>
           <a:prstGeom prst="roundRect">
             <a:avLst>
-              <a:gd name="adj" fmla="val 11711"/>
+              <a:gd name="adj" fmla="val 10765"/>
             </a:avLst>
           </a:prstGeom>
           <a:solidFill>
@@ -10679,7 +10681,49 @@
         </p:nvSpPr>
         <p:spPr>
           <a:xfrm>
-            <a:off x="609600" y="3488531"/>
+            <a:off x="609600" y="3659981"/>
+            <a:ext cx="8083296" cy="266700"/>
+          </a:xfrm>
+          <a:prstGeom prst="rect">
+            <a:avLst/>
+          </a:prstGeom>
+          <a:noFill/>
+          <a:ln/>
+        </p:spPr>
+        <p:txBody>
+          <a:bodyPr wrap="square" lIns="0" tIns="0" rIns="0" bIns="0" rtlCol="0" anchor="t"/>
+          <a:lstStyle/>
+          <a:p>
+            <a:pPr algn="l" indent="0" marL="0">
+              <a:spcAft>
+                <a:spcPts val="200"/>
+              </a:spcAft>
+              <a:buNone/>
+            </a:pPr>
+            <a:r>
+              <a:rPr lang="en-US" sz="1800" b="1" dirty="0">
+                <a:solidFill>
+                  <a:srgbClr val="1E5128"/>
+                </a:solidFill>
+                <a:latin typeface="Arial" pitchFamily="34" charset="0"/>
+                <a:ea typeface="Arial" pitchFamily="34" charset="-122"/>
+                <a:cs typeface="Arial" pitchFamily="34" charset="-120"/>
+              </a:rPr>
+              <a:t>Task 3: Evaluate a Workflow (10 min)</a:t>
+            </a:r>
+            <a:endParaRPr lang="en-US" sz="1800" dirty="0"/>
+          </a:p>
+        </p:txBody>
+      </p:sp>
+      <p:sp>
+        <p:nvSpPr>
+          <p:cNvPr id="13" name="Text 11"/>
+          <p:cNvSpPr/>
+          <p:nvPr/>
+        </p:nvSpPr>
+        <p:spPr>
+          <a:xfrm>
+            <a:off x="609600" y="3951982"/>
             <a:ext cx="8083296" cy="238125"/>
           </a:xfrm>
           <a:prstGeom prst="rect">
@@ -10693,21 +10737,18 @@
           <a:lstStyle/>
           <a:p>
             <a:pPr algn="l" indent="0" marL="0">
-              <a:spcAft>
-                <a:spcPts val="200"/>
-              </a:spcAft>
-              <a:buNone/>
-            </a:pPr>
-            <a:r>
-              <a:rPr lang="en-US" sz="1600" b="1" dirty="0">
-                <a:solidFill>
-                  <a:srgbClr val="1E5128"/>
-                </a:solidFill>
-                <a:latin typeface="Arial" pitchFamily="34" charset="0"/>
-                <a:ea typeface="Arial" pitchFamily="34" charset="-122"/>
-                <a:cs typeface="Arial" pitchFamily="34" charset="-120"/>
-              </a:rPr>
-              <a:t>Task 3: Evaluate a Workflow (10 min)</a:t>
+              <a:buNone/>
+            </a:pPr>
+            <a:r>
+              <a:rPr lang="en-US" sz="1600" dirty="0">
+                <a:solidFill>
+                  <a:srgbClr val="2C2C2C"/>
+                </a:solidFill>
+                <a:latin typeface="Arial" pitchFamily="34" charset="0"/>
+                <a:ea typeface="Arial" pitchFamily="34" charset="-122"/>
+                <a:cs typeface="Arial" pitchFamily="34" charset="-120"/>
+              </a:rPr>
+              <a:t>Look at a workflow run that failed. Can you figure out what went wrong?</a:t>
             </a:r>
             <a:endParaRPr lang="en-US" sz="1600" dirty="0"/>
           </a:p>
@@ -10715,53 +10756,14 @@
       </p:sp>
       <p:sp>
         <p:nvSpPr>
-          <p:cNvPr id="13" name="Text 11"/>
-          <p:cNvSpPr/>
-          <p:nvPr/>
-        </p:nvSpPr>
-        <p:spPr>
-          <a:xfrm>
-            <a:off x="609600" y="3751957"/>
-            <a:ext cx="8083296" cy="209550"/>
-          </a:xfrm>
-          <a:prstGeom prst="rect">
-            <a:avLst/>
-          </a:prstGeom>
-          <a:noFill/>
-          <a:ln/>
-        </p:spPr>
-        <p:txBody>
-          <a:bodyPr wrap="square" lIns="0" tIns="0" rIns="0" bIns="0" rtlCol="0" anchor="t"/>
-          <a:lstStyle/>
-          <a:p>
-            <a:pPr algn="l" indent="0" marL="0">
-              <a:buNone/>
-            </a:pPr>
-            <a:r>
-              <a:rPr lang="en-US" sz="1400" dirty="0">
-                <a:solidFill>
-                  <a:srgbClr val="2C2C2C"/>
-                </a:solidFill>
-                <a:latin typeface="Arial" pitchFamily="34" charset="0"/>
-                <a:ea typeface="Arial" pitchFamily="34" charset="-122"/>
-                <a:cs typeface="Arial" pitchFamily="34" charset="-120"/>
-              </a:rPr>
-              <a:t>Look at a workflow run that failed. Can you figure out what went wrong?</a:t>
-            </a:r>
-            <a:endParaRPr lang="en-US" sz="1400" dirty="0"/>
-          </a:p>
-        </p:txBody>
-      </p:sp>
-      <p:sp>
-        <p:nvSpPr>
           <p:cNvPr id="14" name="Text 12"/>
           <p:cNvSpPr/>
           <p:nvPr/>
         </p:nvSpPr>
         <p:spPr>
           <a:xfrm>
-            <a:off x="457200" y="4113758"/>
-            <a:ext cx="8394192" cy="219075"/>
+            <a:off x="457200" y="4342358"/>
+            <a:ext cx="8394192" cy="238125"/>
           </a:xfrm>
           <a:prstGeom prst="rect">
             <a:avLst/>
@@ -10778,12 +10780,12 @@
                 <a:spcPts val="200"/>
               </a:spcBef>
               <a:spcAft>
-                <a:spcPts val="1500"/>
-              </a:spcAft>
-              <a:buNone/>
-            </a:pPr>
-            <a:r>
-              <a:rPr lang="en-US" sz="1500" b="1" dirty="0">
+                <a:spcPts val="1600"/>
+              </a:spcAft>
+              <a:buNone/>
+            </a:pPr>
+            <a:r>
+              <a:rPr lang="en-US" sz="1600" b="1" dirty="0">
                 <a:solidFill>
                   <a:srgbClr val="1E5128"/>
                 </a:solidFill>
@@ -10793,7 +10795,7 @@
               </a:rPr>
               <a:t>Details and success criteria are on your lab handout.</a:t>
             </a:r>
-            <a:endParaRPr lang="en-US" sz="1500" dirty="0"/>
+            <a:endParaRPr lang="en-US" sz="1600" dirty="0"/>
           </a:p>
         </p:txBody>
       </p:sp>
@@ -11147,36 +11149,6 @@
           </a:p>
         </p:txBody>
       </p:sp>
-      <p:sp>
-        <p:nvSpPr>
-          <p:cNvPr id="4" name="Text 2"/>
-          <p:cNvSpPr/>
-          <p:nvPr/>
-        </p:nvSpPr>
-        <p:spPr>
-          <a:xfrm>
-            <a:off x="457200" y="1069925"/>
-            <a:ext cx="8229600" cy="3936950"/>
-          </a:xfrm>
-          <a:prstGeom prst="rect">
-            <a:avLst/>
-          </a:prstGeom>
-          <a:solidFill>
-            <a:srgbClr val="E0E0E0"/>
-          </a:solidFill>
-          <a:ln/>
-        </p:spPr>
-        <p:txBody>
-          <a:bodyPr wrap="square" rtlCol="0" anchor="ctr"/>
-          <a:lstStyle/>
-          <a:p>
-            <a:pPr indent="0" marL="0">
-              <a:buNone/>
-            </a:pPr>
-            <a:endParaRPr lang="en-US" dirty="0"/>
-          </a:p>
-        </p:txBody>
-      </p:sp>
       <p:graphicFrame>
         <p:nvGraphicFramePr>
           <p:cNvPr id="24" name="Table 0"/>
@@ -11192,8 +11164,8 @@
           </p:nvPr>
         </p:nvGraphicFramePr>
         <p:xfrm>
-          <a:off x="457200" y="914400"/>
-          <a:ext cx="8229600" cy="914400"/>
+          <a:off x="457200" y="1069925"/>
+          <a:ext cx="8229600" cy="3936950"/>
         </p:xfrm>
         <a:graphic>
           <a:graphicData uri="http://schemas.openxmlformats.org/drawingml/2006/table">
@@ -11204,7 +11176,7 @@
                 <a:gridCol w="2743200"/>
                 <a:gridCol w="3657600"/>
               </a:tblGrid>
-              <a:tr h="347472">
+              <a:tr h="320040">
                 <a:tc>
                   <a:txBody>
                     <a:bodyPr/>
@@ -11389,7 +11361,7 @@
                   </a:tcPr>
                 </a:tc>
               </a:tr>
-              <a:tr h="347472">
+              <a:tr h="320040">
                 <a:tc>
                   <a:txBody>
                     <a:bodyPr/>
@@ -11565,7 +11537,7 @@
                   </a:tcPr>
                 </a:tc>
               </a:tr>
-              <a:tr h="347472">
+              <a:tr h="320040">
                 <a:tc>
                   <a:txBody>
                     <a:bodyPr/>
@@ -11741,7 +11713,7 @@
                   </a:tcPr>
                 </a:tc>
               </a:tr>
-              <a:tr h="347472">
+              <a:tr h="320040">
                 <a:tc>
                   <a:txBody>
                     <a:bodyPr/>
@@ -11917,7 +11889,7 @@
                   </a:tcPr>
                 </a:tc>
               </a:tr>
-              <a:tr h="347472">
+              <a:tr h="320040">
                 <a:tc>
                   <a:txBody>
                     <a:bodyPr/>
@@ -12093,7 +12065,7 @@
                   </a:tcPr>
                 </a:tc>
               </a:tr>
-              <a:tr h="347472">
+              <a:tr h="320040">
                 <a:tc>
                   <a:txBody>
                     <a:bodyPr/>
@@ -12269,7 +12241,7 @@
                   </a:tcPr>
                 </a:tc>
               </a:tr>
-              <a:tr h="347472">
+              <a:tr h="320040">
                 <a:tc>
                   <a:txBody>
                     <a:bodyPr/>
@@ -12445,7 +12417,7 @@
                   </a:tcPr>
                 </a:tc>
               </a:tr>
-              <a:tr h="347472">
+              <a:tr h="320040">
                 <a:tc>
                   <a:txBody>
                     <a:bodyPr/>
@@ -12621,7 +12593,7 @@
                   </a:tcPr>
                 </a:tc>
               </a:tr>
-              <a:tr h="347472">
+              <a:tr h="320040">
                 <a:tc>
                   <a:txBody>
                     <a:bodyPr/>
@@ -13446,11 +13418,11 @@
         <p:spPr>
           <a:xfrm>
             <a:off x="457200" y="1444377"/>
-            <a:ext cx="8229600" cy="968276"/>
+            <a:ext cx="8229600" cy="1054001"/>
           </a:xfrm>
           <a:prstGeom prst="roundRect">
             <a:avLst>
-              <a:gd name="adj" fmla="val 7870"/>
+              <a:gd name="adj" fmla="val 7230"/>
             </a:avLst>
           </a:prstGeom>
           <a:solidFill>
@@ -13478,7 +13450,7 @@
         <p:spPr>
           <a:xfrm>
             <a:off x="660350" y="1571327"/>
-            <a:ext cx="7979765" cy="714375"/>
+            <a:ext cx="7979765" cy="800100"/>
           </a:xfrm>
           <a:prstGeom prst="rect">
             <a:avLst/>
@@ -13494,7 +13466,7 @@
               <a:buNone/>
             </a:pPr>
             <a:r>
-              <a:rPr lang="en-US" sz="1600" dirty="0">
+              <a:rPr lang="en-US" sz="1800" dirty="0">
                 <a:solidFill>
                   <a:srgbClr val="2C2C2C"/>
                 </a:solidFill>
@@ -13504,7 +13476,7 @@
               </a:rPr>
               <a:t>Next time, you will learn how to work together with your team on GitHub — assigning tasks, reviewing each other's work, and using branches so multiple people can work at the same time.</a:t>
             </a:r>
-            <a:endParaRPr lang="en-US" sz="1600" dirty="0"/>
+            <a:endParaRPr lang="en-US" sz="1800" dirty="0"/>
           </a:p>
         </p:txBody>
       </p:sp>
@@ -13516,7 +13488,7 @@
         </p:nvSpPr>
         <p:spPr>
           <a:xfrm>
-            <a:off x="457200" y="2539603"/>
+            <a:off x="457200" y="2625328"/>
             <a:ext cx="8394192" cy="266700"/>
           </a:xfrm>
           <a:prstGeom prst="rect">
@@ -13558,8 +13530,8 @@
         </p:nvSpPr>
         <p:spPr>
           <a:xfrm>
-            <a:off x="457200" y="2882503"/>
-            <a:ext cx="8229600" cy="990600"/>
+            <a:off x="457200" y="2968228"/>
+            <a:ext cx="8229600" cy="1447800"/>
           </a:xfrm>
           <a:prstGeom prst="rect">
             <a:avLst/>
@@ -13579,7 +13551,7 @@
               <a:buChar char="•"/>
             </a:pPr>
             <a:r>
-              <a:rPr lang="en-US" sz="1500" dirty="0">
+              <a:rPr lang="en-US" sz="1800" dirty="0">
                 <a:solidFill>
                   <a:srgbClr val="2C2C2C"/>
                 </a:solidFill>
@@ -13589,7 +13561,7 @@
               </a:rPr>
               <a:t>Visit the demo repository's Actions tab and explore more workflows</a:t>
             </a:r>
-            <a:endParaRPr lang="en-US" sz="1500" dirty="0"/>
+            <a:endParaRPr lang="en-US" sz="1800" dirty="0"/>
           </a:p>
           <a:p>
             <a:pPr algn="l" marL="139700" indent="-139700">
@@ -13600,7 +13572,7 @@
               <a:buChar char="•"/>
             </a:pPr>
             <a:r>
-              <a:rPr lang="en-US" sz="1500" dirty="0">
+              <a:rPr lang="en-US" sz="1800" dirty="0">
                 <a:solidFill>
                   <a:srgbClr val="2C2C2C"/>
                 </a:solidFill>
@@ -13610,7 +13582,7 @@
               </a:rPr>
               <a:t>Practice identifying name, trigger, job, and steps in YAML files</a:t>
             </a:r>
-            <a:endParaRPr lang="en-US" sz="1500" dirty="0"/>
+            <a:endParaRPr lang="en-US" sz="1800" dirty="0"/>
           </a:p>
           <a:p>
             <a:pPr algn="l" marL="139700" indent="-139700">
@@ -13621,7 +13593,7 @@
               <a:buChar char="•"/>
             </a:pPr>
             <a:r>
-              <a:rPr lang="en-US" sz="1500" dirty="0">
+              <a:rPr lang="en-US" sz="1800" dirty="0">
                 <a:solidFill>
                   <a:srgbClr val="2C2C2C"/>
                 </a:solidFill>
@@ -13631,7 +13603,7 @@
               </a:rPr>
               <a:t>Write out 3 farm tasks you would like to automate and which trigger type to use</a:t>
             </a:r>
-            <a:endParaRPr lang="en-US" sz="1500" dirty="0"/>
+            <a:endParaRPr lang="en-US" sz="1800" dirty="0"/>
           </a:p>
           <a:p>
             <a:pPr algn="l" marL="139700" indent="-139700">
@@ -13642,7 +13614,7 @@
               <a:buChar char="•"/>
             </a:pPr>
             <a:r>
-              <a:rPr lang="en-US" sz="1500" dirty="0">
+              <a:rPr lang="en-US" sz="1800" dirty="0">
                 <a:solidFill>
                   <a:srgbClr val="2C2C2C"/>
                 </a:solidFill>
@@ -13652,7 +13624,7 @@
               </a:rPr>
               <a:t>Think about team tasks that could benefit from automatic helpers</a:t>
             </a:r>
-            <a:endParaRPr lang="en-US" sz="1500" dirty="0"/>
+            <a:endParaRPr lang="en-US" sz="1800" dirty="0"/>
           </a:p>
         </p:txBody>
       </p:sp>
@@ -15415,8 +15387,8 @@
           </p:nvPr>
         </p:nvGraphicFramePr>
         <p:xfrm>
-          <a:off x="457200" y="1234440"/>
-          <a:ext cx="8229600" cy="914400"/>
+          <a:off x="457200" y="1476226"/>
+          <a:ext cx="8229600" cy="2031950"/>
         </p:xfrm>
         <a:graphic>
           <a:graphicData uri="http://schemas.openxmlformats.org/drawingml/2006/table">
@@ -16731,7 +16703,7 @@
         <p:spPr>
           <a:xfrm>
             <a:off x="457200" y="1787426"/>
-            <a:ext cx="8394192" cy="257175"/>
+            <a:ext cx="8394192" cy="266700"/>
           </a:xfrm>
           <a:prstGeom prst="rect">
             <a:avLst/>
@@ -16750,7 +16722,7 @@
               <a:buNone/>
             </a:pPr>
             <a:r>
-              <a:rPr lang="en-US" sz="1700" dirty="0">
+              <a:rPr lang="en-US" sz="1800" dirty="0">
                 <a:solidFill>
                   <a:srgbClr val="2C2C2C"/>
                 </a:solidFill>
@@ -16760,7 +16732,7 @@
               </a:rPr>
               <a:t>Examples:</a:t>
             </a:r>
-            <a:endParaRPr lang="en-US" sz="1700" dirty="0"/>
+            <a:endParaRPr lang="en-US" sz="1800" dirty="0"/>
           </a:p>
         </p:txBody>
       </p:sp>
@@ -16772,8 +16744,8 @@
         </p:nvSpPr>
         <p:spPr>
           <a:xfrm>
-            <a:off x="457200" y="2120801"/>
-            <a:ext cx="8229600" cy="873026"/>
+            <a:off x="457200" y="2130326"/>
+            <a:ext cx="8229600" cy="1435001"/>
           </a:xfrm>
           <a:prstGeom prst="rect">
             <a:avLst/>
@@ -16793,7 +16765,7 @@
               <a:buChar char="•"/>
             </a:pPr>
             <a:r>
-              <a:rPr lang="en-US" sz="1700" dirty="0">
+              <a:rPr lang="en-US" sz="1800" dirty="0">
                 <a:solidFill>
                   <a:srgbClr val="2C2C2C"/>
                 </a:solidFill>
@@ -16803,7 +16775,7 @@
               </a:rPr>
               <a:t>When someone creates a new Issue — automatically add a "needs review" label</a:t>
             </a:r>
-            <a:endParaRPr lang="en-US" sz="1700" dirty="0"/>
+            <a:endParaRPr lang="en-US" sz="1800" dirty="0"/>
           </a:p>
           <a:p>
             <a:pPr algn="l" marL="152400" indent="-152400">
@@ -16814,7 +16786,7 @@
               <a:buChar char="•"/>
             </a:pPr>
             <a:r>
-              <a:rPr lang="en-US" sz="1700" dirty="0">
+              <a:rPr lang="en-US" sz="1800" dirty="0">
                 <a:solidFill>
                   <a:srgbClr val="2C2C2C"/>
                 </a:solidFill>
@@ -16824,7 +16796,7 @@
               </a:rPr>
               <a:t>When a Pull Request is opened — notify the team lead</a:t>
             </a:r>
-            <a:endParaRPr lang="en-US" sz="1700" dirty="0"/>
+            <a:endParaRPr lang="en-US" sz="1800" dirty="0"/>
           </a:p>
           <a:p>
             <a:pPr algn="l" marL="152400" indent="-152400">
@@ -16835,7 +16807,7 @@
               <a:buChar char="•"/>
             </a:pPr>
             <a:r>
-              <a:rPr lang="en-US" sz="1700" dirty="0">
+              <a:rPr lang="en-US" sz="1800" dirty="0">
                 <a:solidFill>
                   <a:srgbClr val="2C2C2C"/>
                 </a:solidFill>
@@ -16845,7 +16817,7 @@
               </a:rPr>
               <a:t>When an Issue is labeled "urgent" — post a comment with emergency contacts</a:t>
             </a:r>
-            <a:endParaRPr lang="en-US" sz="1700" dirty="0"/>
+            <a:endParaRPr lang="en-US" sz="1800" dirty="0"/>
           </a:p>
         </p:txBody>
       </p:sp>
@@ -16857,8 +16829,8 @@
         </p:nvSpPr>
         <p:spPr>
           <a:xfrm>
-            <a:off x="457200" y="3095327"/>
-            <a:ext cx="8229600" cy="860227"/>
+            <a:off x="457200" y="3666827"/>
+            <a:ext cx="8229600" cy="917377"/>
           </a:xfrm>
           <a:prstGeom prst="rect">
             <a:avLst/>
@@ -16887,8 +16859,8 @@
         </p:nvSpPr>
         <p:spPr>
           <a:xfrm>
-            <a:off x="495300" y="3095327"/>
-            <a:ext cx="0" cy="860227"/>
+            <a:off x="495300" y="3666827"/>
+            <a:ext cx="0" cy="917377"/>
           </a:xfrm>
           <a:prstGeom prst="line">
             <a:avLst/>
@@ -16910,8 +16882,8 @@
         </p:nvSpPr>
         <p:spPr>
           <a:xfrm>
-            <a:off x="711101" y="3196828"/>
-            <a:ext cx="7953958" cy="657225"/>
+            <a:off x="711101" y="3768328"/>
+            <a:ext cx="7953958" cy="714375"/>
           </a:xfrm>
           <a:prstGeom prst="rect">
             <a:avLst/>
@@ -16927,7 +16899,7 @@
               <a:buNone/>
             </a:pPr>
             <a:r>
-              <a:rPr lang="en-US" sz="1500" b="1" dirty="0">
+              <a:rPr lang="en-US" sz="1600" b="1" dirty="0">
                 <a:solidFill>
                   <a:srgbClr val="2C2C2C"/>
                 </a:solidFill>
@@ -16941,7 +16913,7 @@
               <a:buNone/>
             </a:pPr>
             <a:r>
-              <a:rPr lang="en-US" sz="1500" dirty="0">
+              <a:rPr lang="en-US" sz="1600" dirty="0">
                 <a:solidFill>
                   <a:srgbClr val="2C2C2C"/>
                 </a:solidFill>
@@ -16951,7 +16923,7 @@
               </a:rPr>
               <a:t> Like a motion-sensor light in the barn. You don't flip a switch — the light turns on automatically when someone walks in. The "event" (motion) triggers the "action" (light turns on).</a:t>
             </a:r>
-            <a:endParaRPr lang="en-US" sz="1500" dirty="0"/>
+            <a:endParaRPr lang="en-US" sz="1600" dirty="0"/>
           </a:p>
         </p:txBody>
       </p:sp>
